--- a/Dokumentation/Bilder & powerpoints/Idébeskrivning.pptx
+++ b/Dokumentation/Bilder & powerpoints/Idébeskrivning.pptx
@@ -195,7 +195,7 @@
           <a:p>
             <a:fld id="{9E0D3FA6-6BD8-4A75-86C6-1513716F594C}" type="datetimeFigureOut">
               <a:rPr lang="sv-SE" smtClean="0"/>
-              <a:t>2014-03-04</a:t>
+              <a:t>2014-03-06</a:t>
             </a:fld>
             <a:endParaRPr lang="sv-SE"/>
           </a:p>
@@ -728,7 +728,7 @@
           <a:p>
             <a:fld id="{169002D7-BADA-406C-8738-AD8EA12ED786}" type="datetimeFigureOut">
               <a:rPr lang="sv-SE" smtClean="0"/>
-              <a:t>2014-03-04</a:t>
+              <a:t>2014-03-06</a:t>
             </a:fld>
             <a:endParaRPr lang="sv-SE"/>
           </a:p>
@@ -898,7 +898,7 @@
           <a:p>
             <a:fld id="{169002D7-BADA-406C-8738-AD8EA12ED786}" type="datetimeFigureOut">
               <a:rPr lang="sv-SE" smtClean="0"/>
-              <a:t>2014-03-04</a:t>
+              <a:t>2014-03-06</a:t>
             </a:fld>
             <a:endParaRPr lang="sv-SE"/>
           </a:p>
@@ -1078,7 +1078,7 @@
           <a:p>
             <a:fld id="{169002D7-BADA-406C-8738-AD8EA12ED786}" type="datetimeFigureOut">
               <a:rPr lang="sv-SE" smtClean="0"/>
-              <a:t>2014-03-04</a:t>
+              <a:t>2014-03-06</a:t>
             </a:fld>
             <a:endParaRPr lang="sv-SE"/>
           </a:p>
@@ -1248,7 +1248,7 @@
           <a:p>
             <a:fld id="{169002D7-BADA-406C-8738-AD8EA12ED786}" type="datetimeFigureOut">
               <a:rPr lang="sv-SE" smtClean="0"/>
-              <a:t>2014-03-04</a:t>
+              <a:t>2014-03-06</a:t>
             </a:fld>
             <a:endParaRPr lang="sv-SE"/>
           </a:p>
@@ -1494,7 +1494,7 @@
           <a:p>
             <a:fld id="{169002D7-BADA-406C-8738-AD8EA12ED786}" type="datetimeFigureOut">
               <a:rPr lang="sv-SE" smtClean="0"/>
-              <a:t>2014-03-04</a:t>
+              <a:t>2014-03-06</a:t>
             </a:fld>
             <a:endParaRPr lang="sv-SE"/>
           </a:p>
@@ -1782,7 +1782,7 @@
           <a:p>
             <a:fld id="{169002D7-BADA-406C-8738-AD8EA12ED786}" type="datetimeFigureOut">
               <a:rPr lang="sv-SE" smtClean="0"/>
-              <a:t>2014-03-04</a:t>
+              <a:t>2014-03-06</a:t>
             </a:fld>
             <a:endParaRPr lang="sv-SE"/>
           </a:p>
@@ -2204,7 +2204,7 @@
           <a:p>
             <a:fld id="{169002D7-BADA-406C-8738-AD8EA12ED786}" type="datetimeFigureOut">
               <a:rPr lang="sv-SE" smtClean="0"/>
-              <a:t>2014-03-04</a:t>
+              <a:t>2014-03-06</a:t>
             </a:fld>
             <a:endParaRPr lang="sv-SE"/>
           </a:p>
@@ -2322,7 +2322,7 @@
           <a:p>
             <a:fld id="{169002D7-BADA-406C-8738-AD8EA12ED786}" type="datetimeFigureOut">
               <a:rPr lang="sv-SE" smtClean="0"/>
-              <a:t>2014-03-04</a:t>
+              <a:t>2014-03-06</a:t>
             </a:fld>
             <a:endParaRPr lang="sv-SE"/>
           </a:p>
@@ -2417,7 +2417,7 @@
           <a:p>
             <a:fld id="{169002D7-BADA-406C-8738-AD8EA12ED786}" type="datetimeFigureOut">
               <a:rPr lang="sv-SE" smtClean="0"/>
-              <a:t>2014-03-04</a:t>
+              <a:t>2014-03-06</a:t>
             </a:fld>
             <a:endParaRPr lang="sv-SE"/>
           </a:p>
@@ -2694,7 +2694,7 @@
           <a:p>
             <a:fld id="{169002D7-BADA-406C-8738-AD8EA12ED786}" type="datetimeFigureOut">
               <a:rPr lang="sv-SE" smtClean="0"/>
-              <a:t>2014-03-04</a:t>
+              <a:t>2014-03-06</a:t>
             </a:fld>
             <a:endParaRPr lang="sv-SE"/>
           </a:p>
@@ -2947,7 +2947,7 @@
           <a:p>
             <a:fld id="{169002D7-BADA-406C-8738-AD8EA12ED786}" type="datetimeFigureOut">
               <a:rPr lang="sv-SE" smtClean="0"/>
-              <a:t>2014-03-04</a:t>
+              <a:t>2014-03-06</a:t>
             </a:fld>
             <a:endParaRPr lang="sv-SE"/>
           </a:p>
@@ -3160,7 +3160,7 @@
           <a:p>
             <a:fld id="{169002D7-BADA-406C-8738-AD8EA12ED786}" type="datetimeFigureOut">
               <a:rPr lang="sv-SE" smtClean="0"/>
-              <a:t>2014-03-04</a:t>
+              <a:t>2014-03-06</a:t>
             </a:fld>
             <a:endParaRPr lang="sv-SE"/>
           </a:p>
@@ -3671,10 +3671,6 @@
               <a:rPr lang="sv-SE" dirty="0" smtClean="0"/>
               <a:t>ASP.NET Web Forms</a:t>
             </a:r>
-            <a:r>
-              <a:rPr lang="sv-SE" dirty="0" smtClean="0"/>
-              <a:t/>
-            </a:r>
             <a:br>
               <a:rPr lang="sv-SE" dirty="0" smtClean="0"/>
             </a:br>
@@ -3682,20 +3678,12 @@
               <a:rPr lang="sv-SE" dirty="0" smtClean="0"/>
               <a:t>1DV406</a:t>
             </a:r>
-            <a:r>
-              <a:rPr lang="sv-SE" dirty="0" smtClean="0"/>
-              <a:t/>
-            </a:r>
             <a:br>
               <a:rPr lang="sv-SE" dirty="0" smtClean="0"/>
             </a:br>
             <a:r>
               <a:rPr lang="sv-SE" dirty="0" smtClean="0"/>
               <a:t>Projekt – Idébeskrivning</a:t>
-            </a:r>
-            <a:r>
-              <a:rPr lang="sv-SE" dirty="0" smtClean="0"/>
-              <a:t/>
             </a:r>
             <a:br>
               <a:rPr lang="sv-SE" dirty="0" smtClean="0"/>
@@ -3747,7 +3735,7 @@
         <p:spPr>
           <a:xfrm>
             <a:off x="179512" y="188640"/>
-            <a:ext cx="7704856" cy="3416320"/>
+            <a:ext cx="7704856" cy="3847207"/>
           </a:xfrm>
           <a:prstGeom prst="rect">
             <a:avLst/>
@@ -3798,32 +3786,56 @@
           <a:p>
             <a:r>
               <a:rPr lang="sv-SE" sz="1400" dirty="0" smtClean="0"/>
-              <a:t>Applikationen skall arbeta gentemot en databas med klubbens medlemmar och man ska med hjälp utav den kunna registrera, uppdatera och ta bort nya och befintliga medlemmar samt deras kontaktuppgifter.</a:t>
+              <a:t>Applikationen skall arbeta gentemot en databas med klubbens medlemmar och man ska med hjälp utav den kunna registrera, uppdatera och ta bort nya och befintliga medlemmar samt </a:t>
+            </a:r>
+            <a:r>
+              <a:rPr lang="sv-SE" sz="1400" dirty="0" smtClean="0"/>
+              <a:t>vilka aktiviteter de utövar.</a:t>
             </a:r>
             <a:endParaRPr lang="sv-SE" sz="1400" dirty="0"/>
           </a:p>
           <a:p>
+            <a:endParaRPr lang="sv-SE" sz="1400" dirty="0"/>
+          </a:p>
+          <a:p>
             <a:r>
               <a:rPr lang="sv-SE" sz="1400" dirty="0" smtClean="0"/>
-              <a:t>Som medlem skall man kunna ha många olika kontaktuppgifter.</a:t>
-            </a:r>
-          </a:p>
-          <a:p>
+              <a:t>De tre tabeller jag kommer att arbeta mot i databasen är Medlem, Aktivitet och Medlemsaktivitet.</a:t>
+            </a:r>
+          </a:p>
+          <a:p>
+            <a:r>
+              <a:rPr lang="sv-SE" sz="1400" dirty="0" smtClean="0"/>
+              <a:t>En kund som utövar en aktivitet får en post i medlemsaktivitet där, utöver Pk’s och Fk’s, det även finns poster för start och slutdatum, samt om medlemmen betalat sin avgift eller inte.</a:t>
+            </a:r>
             <a:endParaRPr lang="sv-SE" sz="1400" dirty="0"/>
           </a:p>
           <a:p>
+            <a:endParaRPr lang="sv-SE" sz="1400" dirty="0" smtClean="0"/>
+          </a:p>
+          <a:p>
+            <a:r>
+              <a:rPr lang="sv-SE" sz="1400" dirty="0"/>
+              <a:t>Som medlem skall man kunna utöva många olika aktiviteter</a:t>
+            </a:r>
             <a:r>
               <a:rPr lang="sv-SE" sz="1400" dirty="0" smtClean="0"/>
-              <a:t>Kontaktuppgifterna består utav en kontakttypID och en kontaktuppgift (telefonnummer, e-mailaddress) och är kopplade till medlemmarnas ID:n.</a:t>
-            </a:r>
-          </a:p>
-          <a:p>
+              <a:t>.</a:t>
+            </a:r>
             <a:endParaRPr lang="sv-SE" sz="1400" dirty="0"/>
           </a:p>
           <a:p>
             <a:r>
               <a:rPr lang="sv-SE" sz="1400" dirty="0" smtClean="0"/>
-              <a:t>Kontakttyperna som klubben anser vara relevanta i det här fallet är mobilnummer och e-mailaddress. Ingen ny kontakttyp behöver kunna läggas till, ingen befintlig behöver kunna ändras eller tas bort från typlistan.</a:t>
+              <a:t>Aktiviteterna som klubben erbjuder är klättring,  fäktning, boxning, historieberättande &amp; poesi. Ingen nya aktiviteter behöver </a:t>
+            </a:r>
+            <a:r>
+              <a:rPr lang="sv-SE" sz="1400" dirty="0" smtClean="0"/>
+              <a:t>kunna läggas till, ingen befintlig behöver kunna ändras eller tas bort från </a:t>
+            </a:r>
+            <a:r>
+              <a:rPr lang="sv-SE" sz="1400" dirty="0" smtClean="0"/>
+              <a:t>tabellen.</a:t>
             </a:r>
             <a:endParaRPr lang="sv-SE" sz="1400" dirty="0"/>
           </a:p>
@@ -3867,7 +3879,7 @@
         </p:nvSpPr>
         <p:spPr>
           <a:xfrm>
-            <a:off x="94055" y="20435"/>
+            <a:off x="-38113" y="-32605"/>
             <a:ext cx="6480720" cy="400110"/>
           </a:xfrm>
           <a:prstGeom prst="rect">
@@ -3887,15 +3899,7 @@
             </a:r>
             <a:r>
               <a:rPr lang="sv-SE" sz="2000" b="1" dirty="0" smtClean="0"/>
-              <a:t>. </a:t>
-            </a:r>
-            <a:r>
-              <a:rPr lang="sv-SE" sz="2000" b="1" dirty="0" smtClean="0"/>
-              <a:t>Fysisk </a:t>
-            </a:r>
-            <a:r>
-              <a:rPr lang="sv-SE" sz="2000" b="1" dirty="0" smtClean="0"/>
-              <a:t>Datamodell &amp; Exempeldata</a:t>
+              <a:t>. Fysisk Datamodell &amp; Exempeldata</a:t>
             </a:r>
             <a:endParaRPr lang="sv-SE" sz="2000" b="1" dirty="0"/>
           </a:p>
@@ -3909,7 +3913,7 @@
         </p:nvCxnSpPr>
         <p:spPr bwMode="auto">
           <a:xfrm flipH="1">
-            <a:off x="4205488" y="498880"/>
+            <a:off x="337334" y="3608519"/>
             <a:ext cx="467585" cy="0"/>
           </a:xfrm>
           <a:prstGeom prst="line">
@@ -3944,43 +3948,8 @@
         </p:nvCxnSpPr>
         <p:spPr bwMode="auto">
           <a:xfrm>
-            <a:off x="4205488" y="498880"/>
+            <a:off x="331489" y="3248212"/>
             <a:ext cx="0" cy="358247"/>
-          </a:xfrm>
-          <a:prstGeom prst="line">
-            <a:avLst/>
-          </a:prstGeom>
-          <a:ln w="9525">
-            <a:solidFill>
-              <a:schemeClr val="tx1"/>
-            </a:solidFill>
-          </a:ln>
-        </p:spPr>
-        <p:style>
-          <a:lnRef idx="1">
-            <a:schemeClr val="accent1"/>
-          </a:lnRef>
-          <a:fillRef idx="0">
-            <a:schemeClr val="accent1"/>
-          </a:fillRef>
-          <a:effectRef idx="0">
-            <a:schemeClr val="accent1"/>
-          </a:effectRef>
-          <a:fontRef idx="minor">
-            <a:schemeClr val="tx1"/>
-          </a:fontRef>
-        </p:style>
-      </p:cxnSp>
-      <p:cxnSp>
-        <p:nvCxnSpPr>
-          <p:cNvPr id="39" name="Rak 5"/>
-          <p:cNvCxnSpPr/>
-          <p:nvPr/>
-        </p:nvCxnSpPr>
-        <p:spPr bwMode="auto">
-          <a:xfrm flipH="1">
-            <a:off x="4205488" y="857127"/>
-            <a:ext cx="308332" cy="0"/>
           </a:xfrm>
           <a:prstGeom prst="line">
             <a:avLst/>
@@ -4015,8 +3984,8 @@
           <p:nvPr/>
         </p:nvGrpSpPr>
         <p:grpSpPr bwMode="auto">
-          <a:xfrm rot="5400000">
-            <a:off x="4550197" y="477292"/>
+          <a:xfrm rot="16200000">
+            <a:off x="682046" y="3342222"/>
             <a:ext cx="245749" cy="288925"/>
             <a:chOff x="3243842" y="692696"/>
             <a:chExt cx="248038" cy="288032"/>
@@ -4121,11 +4090,11 @@
           <p:nvPr/>
         </p:nvGrpSpPr>
         <p:grpSpPr bwMode="auto">
-          <a:xfrm rot="16200000">
-            <a:off x="1824851" y="2408448"/>
-            <a:ext cx="600045" cy="288925"/>
-            <a:chOff x="2834125" y="692696"/>
-            <a:chExt cx="657755" cy="288032"/>
+          <a:xfrm>
+            <a:off x="1585090" y="1202599"/>
+            <a:ext cx="719962" cy="288925"/>
+            <a:chOff x="2702674" y="692696"/>
+            <a:chExt cx="789206" cy="288032"/>
           </a:xfrm>
         </p:grpSpPr>
         <p:cxnSp>
@@ -4135,9 +4104,9 @@
             <p:nvPr/>
           </p:nvCxnSpPr>
           <p:spPr>
-            <a:xfrm rot="5400000" flipH="1" flipV="1">
-              <a:off x="3163001" y="507834"/>
-              <a:ext cx="1" cy="657754"/>
+            <a:xfrm flipV="1">
+              <a:off x="2702674" y="836712"/>
+              <a:ext cx="789203" cy="2"/>
             </a:xfrm>
             <a:prstGeom prst="line">
               <a:avLst/>
@@ -4227,8 +4196,8 @@
           <p:nvPr/>
         </p:nvGrpSpPr>
         <p:grpSpPr bwMode="auto">
-          <a:xfrm rot="10800000">
-            <a:off x="3884233" y="1292765"/>
+          <a:xfrm rot="16200000">
+            <a:off x="4407233" y="3026402"/>
             <a:ext cx="853971" cy="288925"/>
             <a:chOff x="2555776" y="692696"/>
             <a:chExt cx="936104" cy="288032"/>
@@ -4324,881 +4293,6 @@
           </p:txBody>
         </p:sp>
       </p:grpSp>
-      <p:graphicFrame>
-        <p:nvGraphicFramePr>
-          <p:cNvPr id="2" name="Table 1"/>
-          <p:cNvGraphicFramePr>
-            <a:graphicFrameLocks noGrp="1"/>
-          </p:cNvGraphicFramePr>
-          <p:nvPr>
-            <p:extLst>
-              <p:ext uri="{D42A27DB-BD31-4B8C-83A1-F6EECF244321}">
-                <p14:modId xmlns:p14="http://schemas.microsoft.com/office/powerpoint/2010/main" val="3373895526"/>
-              </p:ext>
-            </p:extLst>
-          </p:nvPr>
-        </p:nvGraphicFramePr>
-        <p:xfrm>
-          <a:off x="4359654" y="719213"/>
-          <a:ext cx="3150743" cy="2743200"/>
-        </p:xfrm>
-        <a:graphic>
-          <a:graphicData uri="http://schemas.openxmlformats.org/drawingml/2006/table">
-            <a:tbl>
-              <a:tblPr firstRow="1" bandRow="1">
-                <a:tableStyleId>{5C22544A-7EE6-4342-B048-85BDC9FD1C3A}</a:tableStyleId>
-              </a:tblPr>
-              <a:tblGrid>
-                <a:gridCol w="1246505"/>
-                <a:gridCol w="1064133"/>
-                <a:gridCol w="840105"/>
-              </a:tblGrid>
-              <a:tr h="216952">
-                <a:tc>
-                  <a:txBody>
-                    <a:bodyPr/>
-                    <a:lstStyle/>
-                    <a:p>
-                      <a:r>
-                        <a:rPr lang="sv-SE" sz="1400" dirty="0" smtClean="0"/>
-                        <a:t>Column name</a:t>
-                      </a:r>
-                      <a:endParaRPr lang="sv-SE" sz="1400" dirty="0"/>
-                    </a:p>
-                  </a:txBody>
-                  <a:tcPr/>
-                </a:tc>
-                <a:tc>
-                  <a:txBody>
-                    <a:bodyPr/>
-                    <a:lstStyle/>
-                    <a:p>
-                      <a:r>
-                        <a:rPr lang="sv-SE" sz="1400" dirty="0" smtClean="0"/>
-                        <a:t>Type</a:t>
-                      </a:r>
-                      <a:endParaRPr lang="sv-SE" sz="1400" dirty="0"/>
-                    </a:p>
-                  </a:txBody>
-                  <a:tcPr/>
-                </a:tc>
-                <a:tc>
-                  <a:txBody>
-                    <a:bodyPr/>
-                    <a:lstStyle/>
-                    <a:p>
-                      <a:r>
-                        <a:rPr lang="sv-SE" sz="1400" dirty="0" smtClean="0"/>
-                        <a:t>Nullable</a:t>
-                      </a:r>
-                      <a:endParaRPr lang="sv-SE" sz="1400" dirty="0"/>
-                    </a:p>
-                  </a:txBody>
-                  <a:tcPr/>
-                </a:tc>
-              </a:tr>
-              <a:tr h="0">
-                <a:tc>
-                  <a:txBody>
-                    <a:bodyPr/>
-                    <a:lstStyle/>
-                    <a:p>
-                      <a:r>
-                        <a:rPr lang="sv-SE" sz="1400" dirty="0" smtClean="0"/>
-                        <a:t>MedID </a:t>
-                      </a:r>
-                      <a:r>
-                        <a:rPr lang="sv-SE" sz="1400" b="1" dirty="0" smtClean="0"/>
-                        <a:t>Pk</a:t>
-                      </a:r>
-                      <a:endParaRPr lang="sv-SE" sz="1400" b="1" dirty="0"/>
-                    </a:p>
-                  </a:txBody>
-                  <a:tcPr/>
-                </a:tc>
-                <a:tc>
-                  <a:txBody>
-                    <a:bodyPr/>
-                    <a:lstStyle/>
-                    <a:p>
-                      <a:r>
-                        <a:rPr lang="sv-SE" sz="1400" dirty="0" smtClean="0"/>
-                        <a:t>Int</a:t>
-                      </a:r>
-                      <a:endParaRPr lang="sv-SE" sz="1400" dirty="0"/>
-                    </a:p>
-                  </a:txBody>
-                  <a:tcPr/>
-                </a:tc>
-                <a:tc>
-                  <a:txBody>
-                    <a:bodyPr/>
-                    <a:lstStyle/>
-                    <a:p>
-                      <a:r>
-                        <a:rPr lang="sv-SE" sz="1400" dirty="0" smtClean="0"/>
-                        <a:t>No</a:t>
-                      </a:r>
-                      <a:endParaRPr lang="sv-SE" sz="1400" dirty="0"/>
-                    </a:p>
-                  </a:txBody>
-                  <a:tcPr/>
-                </a:tc>
-              </a:tr>
-              <a:tr h="144016">
-                <a:tc>
-                  <a:txBody>
-                    <a:bodyPr/>
-                    <a:lstStyle/>
-                    <a:p>
-                      <a:r>
-                        <a:rPr lang="sv-SE" sz="1400" dirty="0" smtClean="0"/>
-                        <a:t>Fnamn</a:t>
-                      </a:r>
-                      <a:endParaRPr lang="sv-SE" sz="1400" dirty="0"/>
-                    </a:p>
-                  </a:txBody>
-                  <a:tcPr/>
-                </a:tc>
-                <a:tc>
-                  <a:txBody>
-                    <a:bodyPr/>
-                    <a:lstStyle/>
-                    <a:p>
-                      <a:r>
-                        <a:rPr lang="sv-SE" sz="1400" dirty="0" smtClean="0"/>
-                        <a:t>Varchar(20)</a:t>
-                      </a:r>
-                      <a:endParaRPr lang="sv-SE" sz="1400" dirty="0"/>
-                    </a:p>
-                  </a:txBody>
-                  <a:tcPr/>
-                </a:tc>
-                <a:tc>
-                  <a:txBody>
-                    <a:bodyPr/>
-                    <a:lstStyle/>
-                    <a:p>
-                      <a:r>
-                        <a:rPr lang="sv-SE" sz="1400" dirty="0" smtClean="0"/>
-                        <a:t>No</a:t>
-                      </a:r>
-                      <a:endParaRPr lang="sv-SE" sz="1400" dirty="0"/>
-                    </a:p>
-                  </a:txBody>
-                  <a:tcPr/>
-                </a:tc>
-              </a:tr>
-              <a:tr h="127248">
-                <a:tc>
-                  <a:txBody>
-                    <a:bodyPr/>
-                    <a:lstStyle/>
-                    <a:p>
-                      <a:r>
-                        <a:rPr lang="sv-SE" sz="1400" dirty="0" smtClean="0"/>
-                        <a:t>Enamn</a:t>
-                      </a:r>
-                      <a:endParaRPr lang="sv-SE" sz="1400" dirty="0"/>
-                    </a:p>
-                  </a:txBody>
-                  <a:tcPr/>
-                </a:tc>
-                <a:tc>
-                  <a:txBody>
-                    <a:bodyPr/>
-                    <a:lstStyle/>
-                    <a:p>
-                      <a:r>
-                        <a:rPr lang="sv-SE" sz="1400" dirty="0" smtClean="0"/>
-                        <a:t>Varchar(20)</a:t>
-                      </a:r>
-                      <a:endParaRPr lang="sv-SE" sz="1400" dirty="0"/>
-                    </a:p>
-                  </a:txBody>
-                  <a:tcPr/>
-                </a:tc>
-                <a:tc>
-                  <a:txBody>
-                    <a:bodyPr/>
-                    <a:lstStyle/>
-                    <a:p>
-                      <a:r>
-                        <a:rPr lang="sv-SE" sz="1400" dirty="0" smtClean="0"/>
-                        <a:t>No</a:t>
-                      </a:r>
-                      <a:endParaRPr lang="sv-SE" sz="1400" dirty="0"/>
-                    </a:p>
-                  </a:txBody>
-                  <a:tcPr/>
-                </a:tc>
-              </a:tr>
-              <a:tr h="139262">
-                <a:tc>
-                  <a:txBody>
-                    <a:bodyPr/>
-                    <a:lstStyle/>
-                    <a:p>
-                      <a:r>
-                        <a:rPr lang="sv-SE" sz="1400" dirty="0" smtClean="0"/>
-                        <a:t>Pers.nr</a:t>
-                      </a:r>
-                      <a:endParaRPr lang="sv-SE" sz="1400" dirty="0"/>
-                    </a:p>
-                  </a:txBody>
-                  <a:tcPr/>
-                </a:tc>
-                <a:tc>
-                  <a:txBody>
-                    <a:bodyPr/>
-                    <a:lstStyle/>
-                    <a:p>
-                      <a:r>
-                        <a:rPr lang="sv-SE" sz="1400" dirty="0" smtClean="0"/>
-                        <a:t>Char(11)</a:t>
-                      </a:r>
-                      <a:endParaRPr lang="sv-SE" sz="1400" dirty="0"/>
-                    </a:p>
-                  </a:txBody>
-                  <a:tcPr/>
-                </a:tc>
-                <a:tc>
-                  <a:txBody>
-                    <a:bodyPr/>
-                    <a:lstStyle/>
-                    <a:p>
-                      <a:r>
-                        <a:rPr lang="sv-SE" sz="1400" dirty="0" smtClean="0"/>
-                        <a:t>No</a:t>
-                      </a:r>
-                      <a:endParaRPr lang="sv-SE" sz="1400" dirty="0"/>
-                    </a:p>
-                  </a:txBody>
-                  <a:tcPr/>
-                </a:tc>
-              </a:tr>
-              <a:tr h="165720">
-                <a:tc>
-                  <a:txBody>
-                    <a:bodyPr/>
-                    <a:lstStyle/>
-                    <a:p>
-                      <a:r>
-                        <a:rPr lang="sv-SE" sz="1400" dirty="0" smtClean="0"/>
-                        <a:t>MedID_U</a:t>
-                      </a:r>
-                      <a:r>
-                        <a:rPr lang="sv-SE" sz="1400" baseline="0" dirty="0" smtClean="0"/>
-                        <a:t> </a:t>
-                      </a:r>
-                      <a:r>
-                        <a:rPr lang="sv-SE" sz="1400" b="1" baseline="0" dirty="0" smtClean="0"/>
-                        <a:t>Fk</a:t>
-                      </a:r>
-                      <a:endParaRPr lang="sv-SE" sz="1400" b="1" dirty="0"/>
-                    </a:p>
-                  </a:txBody>
-                  <a:tcPr/>
-                </a:tc>
-                <a:tc>
-                  <a:txBody>
-                    <a:bodyPr/>
-                    <a:lstStyle/>
-                    <a:p>
-                      <a:r>
-                        <a:rPr lang="sv-SE" sz="1400" dirty="0" smtClean="0"/>
-                        <a:t>Int</a:t>
-                      </a:r>
-                      <a:endParaRPr lang="sv-SE" sz="1400" dirty="0"/>
-                    </a:p>
-                  </a:txBody>
-                  <a:tcPr/>
-                </a:tc>
-                <a:tc>
-                  <a:txBody>
-                    <a:bodyPr/>
-                    <a:lstStyle/>
-                    <a:p>
-                      <a:r>
-                        <a:rPr lang="sv-SE" sz="1400" dirty="0" smtClean="0"/>
-                        <a:t>No</a:t>
-                      </a:r>
-                      <a:endParaRPr lang="sv-SE" sz="1400" dirty="0"/>
-                    </a:p>
-                  </a:txBody>
-                  <a:tcPr/>
-                </a:tc>
-              </a:tr>
-              <a:tr h="0">
-                <a:tc>
-                  <a:txBody>
-                    <a:bodyPr/>
-                    <a:lstStyle/>
-                    <a:p>
-                      <a:r>
-                        <a:rPr lang="sv-SE" sz="1400" dirty="0" smtClean="0"/>
-                        <a:t>Address</a:t>
-                      </a:r>
-                      <a:endParaRPr lang="sv-SE" sz="1400" dirty="0"/>
-                    </a:p>
-                  </a:txBody>
-                  <a:tcPr/>
-                </a:tc>
-                <a:tc>
-                  <a:txBody>
-                    <a:bodyPr/>
-                    <a:lstStyle/>
-                    <a:p>
-                      <a:r>
-                        <a:rPr lang="sv-SE" sz="1400" dirty="0" smtClean="0"/>
-                        <a:t>Varchar(30)</a:t>
-                      </a:r>
-                      <a:endParaRPr lang="sv-SE" sz="1400" dirty="0"/>
-                    </a:p>
-                  </a:txBody>
-                  <a:tcPr/>
-                </a:tc>
-                <a:tc>
-                  <a:txBody>
-                    <a:bodyPr/>
-                    <a:lstStyle/>
-                    <a:p>
-                      <a:r>
-                        <a:rPr lang="sv-SE" sz="1400" dirty="0" smtClean="0"/>
-                        <a:t>No</a:t>
-                      </a:r>
-                      <a:endParaRPr lang="sv-SE" sz="1400" dirty="0"/>
-                    </a:p>
-                  </a:txBody>
-                  <a:tcPr/>
-                </a:tc>
-              </a:tr>
-              <a:tr h="141518">
-                <a:tc>
-                  <a:txBody>
-                    <a:bodyPr/>
-                    <a:lstStyle/>
-                    <a:p>
-                      <a:r>
-                        <a:rPr lang="sv-SE" sz="1400" dirty="0" smtClean="0"/>
-                        <a:t>Postnr</a:t>
-                      </a:r>
-                      <a:endParaRPr lang="sv-SE" sz="1400" dirty="0"/>
-                    </a:p>
-                  </a:txBody>
-                  <a:tcPr/>
-                </a:tc>
-                <a:tc>
-                  <a:txBody>
-                    <a:bodyPr/>
-                    <a:lstStyle/>
-                    <a:p>
-                      <a:r>
-                        <a:rPr lang="sv-SE" sz="1400" dirty="0" smtClean="0"/>
-                        <a:t>Varchar(6)</a:t>
-                      </a:r>
-                      <a:endParaRPr lang="sv-SE" sz="1400" dirty="0"/>
-                    </a:p>
-                  </a:txBody>
-                  <a:tcPr/>
-                </a:tc>
-                <a:tc>
-                  <a:txBody>
-                    <a:bodyPr/>
-                    <a:lstStyle/>
-                    <a:p>
-                      <a:r>
-                        <a:rPr lang="sv-SE" sz="1400" dirty="0" smtClean="0"/>
-                        <a:t>No</a:t>
-                      </a:r>
-                      <a:endParaRPr lang="sv-SE" sz="1400" dirty="0"/>
-                    </a:p>
-                  </a:txBody>
-                  <a:tcPr/>
-                </a:tc>
-              </a:tr>
-              <a:tr h="124750">
-                <a:tc>
-                  <a:txBody>
-                    <a:bodyPr/>
-                    <a:lstStyle/>
-                    <a:p>
-                      <a:r>
-                        <a:rPr lang="sv-SE" sz="1400" dirty="0" smtClean="0"/>
-                        <a:t>Ort</a:t>
-                      </a:r>
-                      <a:endParaRPr lang="sv-SE" sz="1400" dirty="0"/>
-                    </a:p>
-                  </a:txBody>
-                  <a:tcPr/>
-                </a:tc>
-                <a:tc>
-                  <a:txBody>
-                    <a:bodyPr/>
-                    <a:lstStyle/>
-                    <a:p>
-                      <a:r>
-                        <a:rPr lang="sv-SE" sz="1400" dirty="0" smtClean="0"/>
-                        <a:t>Varchar(25)</a:t>
-                      </a:r>
-                      <a:endParaRPr lang="sv-SE" sz="1400" dirty="0"/>
-                    </a:p>
-                  </a:txBody>
-                  <a:tcPr/>
-                </a:tc>
-                <a:tc>
-                  <a:txBody>
-                    <a:bodyPr/>
-                    <a:lstStyle/>
-                    <a:p>
-                      <a:r>
-                        <a:rPr lang="sv-SE" sz="1400" dirty="0" smtClean="0"/>
-                        <a:t>No</a:t>
-                      </a:r>
-                      <a:endParaRPr lang="sv-SE" sz="1400" dirty="0"/>
-                    </a:p>
-                  </a:txBody>
-                  <a:tcPr/>
-                </a:tc>
-              </a:tr>
-            </a:tbl>
-          </a:graphicData>
-        </a:graphic>
-      </p:graphicFrame>
-      <p:graphicFrame>
-        <p:nvGraphicFramePr>
-          <p:cNvPr id="3" name="Table 2"/>
-          <p:cNvGraphicFramePr>
-            <a:graphicFrameLocks noGrp="1"/>
-          </p:cNvGraphicFramePr>
-          <p:nvPr>
-            <p:extLst>
-              <p:ext uri="{D42A27DB-BD31-4B8C-83A1-F6EECF244321}">
-                <p14:modId xmlns:p14="http://schemas.microsoft.com/office/powerpoint/2010/main" val="2358401595"/>
-              </p:ext>
-            </p:extLst>
-          </p:nvPr>
-        </p:nvGraphicFramePr>
-        <p:xfrm>
-          <a:off x="683568" y="744629"/>
-          <a:ext cx="3206306" cy="1524000"/>
-        </p:xfrm>
-        <a:graphic>
-          <a:graphicData uri="http://schemas.openxmlformats.org/drawingml/2006/table">
-            <a:tbl>
-              <a:tblPr firstRow="1" bandRow="1">
-                <a:tableStyleId>{5C22544A-7EE6-4342-B048-85BDC9FD1C3A}</a:tableStyleId>
-              </a:tblPr>
-              <a:tblGrid>
-                <a:gridCol w="1302068"/>
-                <a:gridCol w="1064133"/>
-                <a:gridCol w="840105"/>
-              </a:tblGrid>
-              <a:tr h="140427">
-                <a:tc>
-                  <a:txBody>
-                    <a:bodyPr/>
-                    <a:lstStyle/>
-                    <a:p>
-                      <a:r>
-                        <a:rPr lang="sv-SE" sz="1400" dirty="0" smtClean="0"/>
-                        <a:t>Column name</a:t>
-                      </a:r>
-                      <a:endParaRPr lang="sv-SE" sz="1400" dirty="0"/>
-                    </a:p>
-                  </a:txBody>
-                  <a:tcPr/>
-                </a:tc>
-                <a:tc>
-                  <a:txBody>
-                    <a:bodyPr/>
-                    <a:lstStyle/>
-                    <a:p>
-                      <a:r>
-                        <a:rPr lang="sv-SE" sz="1400" dirty="0" smtClean="0"/>
-                        <a:t>Type</a:t>
-                      </a:r>
-                      <a:endParaRPr lang="sv-SE" sz="1400" dirty="0"/>
-                    </a:p>
-                  </a:txBody>
-                  <a:tcPr/>
-                </a:tc>
-                <a:tc>
-                  <a:txBody>
-                    <a:bodyPr/>
-                    <a:lstStyle/>
-                    <a:p>
-                      <a:r>
-                        <a:rPr lang="sv-SE" sz="1400" dirty="0" smtClean="0"/>
-                        <a:t>Nullable</a:t>
-                      </a:r>
-                      <a:endParaRPr lang="sv-SE" sz="1400" dirty="0"/>
-                    </a:p>
-                  </a:txBody>
-                  <a:tcPr/>
-                </a:tc>
-              </a:tr>
-              <a:tr h="123659">
-                <a:tc>
-                  <a:txBody>
-                    <a:bodyPr/>
-                    <a:lstStyle/>
-                    <a:p>
-                      <a:r>
-                        <a:rPr lang="sv-SE" sz="1400" dirty="0" smtClean="0"/>
-                        <a:t>KonID </a:t>
-                      </a:r>
-                      <a:r>
-                        <a:rPr lang="sv-SE" sz="1400" b="1" dirty="0" smtClean="0"/>
-                        <a:t>PK</a:t>
-                      </a:r>
-                      <a:endParaRPr lang="sv-SE" sz="1400" dirty="0"/>
-                    </a:p>
-                  </a:txBody>
-                  <a:tcPr/>
-                </a:tc>
-                <a:tc>
-                  <a:txBody>
-                    <a:bodyPr/>
-                    <a:lstStyle/>
-                    <a:p>
-                      <a:r>
-                        <a:rPr lang="sv-SE" sz="1400" dirty="0" smtClean="0"/>
-                        <a:t>Int</a:t>
-                      </a:r>
-                      <a:endParaRPr lang="sv-SE" sz="1400" dirty="0"/>
-                    </a:p>
-                  </a:txBody>
-                  <a:tcPr/>
-                </a:tc>
-                <a:tc>
-                  <a:txBody>
-                    <a:bodyPr/>
-                    <a:lstStyle/>
-                    <a:p>
-                      <a:r>
-                        <a:rPr lang="sv-SE" sz="1400" dirty="0" smtClean="0"/>
-                        <a:t>No</a:t>
-                      </a:r>
-                      <a:endParaRPr lang="sv-SE" sz="1400" dirty="0"/>
-                    </a:p>
-                  </a:txBody>
-                  <a:tcPr/>
-                </a:tc>
-              </a:tr>
-              <a:tr h="0">
-                <a:tc>
-                  <a:txBody>
-                    <a:bodyPr/>
-                    <a:lstStyle/>
-                    <a:p>
-                      <a:r>
-                        <a:rPr lang="sv-SE" sz="1400" dirty="0" smtClean="0"/>
-                        <a:t>MedID </a:t>
-                      </a:r>
-                      <a:r>
-                        <a:rPr lang="sv-SE" sz="1400" b="1" dirty="0" smtClean="0"/>
-                        <a:t>FK</a:t>
-                      </a:r>
-                      <a:endParaRPr lang="sv-SE" sz="1400" dirty="0"/>
-                    </a:p>
-                  </a:txBody>
-                  <a:tcPr/>
-                </a:tc>
-                <a:tc>
-                  <a:txBody>
-                    <a:bodyPr/>
-                    <a:lstStyle/>
-                    <a:p>
-                      <a:r>
-                        <a:rPr lang="sv-SE" sz="1400" dirty="0" smtClean="0"/>
-                        <a:t>Int</a:t>
-                      </a:r>
-                      <a:endParaRPr lang="sv-SE" sz="1400" dirty="0"/>
-                    </a:p>
-                  </a:txBody>
-                  <a:tcPr/>
-                </a:tc>
-                <a:tc>
-                  <a:txBody>
-                    <a:bodyPr/>
-                    <a:lstStyle/>
-                    <a:p>
-                      <a:r>
-                        <a:rPr lang="sv-SE" sz="1400" dirty="0" smtClean="0"/>
-                        <a:t>No</a:t>
-                      </a:r>
-                      <a:endParaRPr lang="sv-SE" sz="1400" dirty="0"/>
-                    </a:p>
-                  </a:txBody>
-                  <a:tcPr/>
-                </a:tc>
-              </a:tr>
-              <a:tr h="0">
-                <a:tc>
-                  <a:txBody>
-                    <a:bodyPr/>
-                    <a:lstStyle/>
-                    <a:p>
-                      <a:r>
-                        <a:rPr lang="sv-SE" sz="1400" dirty="0" smtClean="0"/>
-                        <a:t>KontypID </a:t>
-                      </a:r>
-                      <a:r>
-                        <a:rPr lang="sv-SE" sz="1400" b="1" dirty="0" smtClean="0"/>
-                        <a:t>FK</a:t>
-                      </a:r>
-                      <a:endParaRPr lang="sv-SE" sz="1400" dirty="0"/>
-                    </a:p>
-                  </a:txBody>
-                  <a:tcPr/>
-                </a:tc>
-                <a:tc>
-                  <a:txBody>
-                    <a:bodyPr/>
-                    <a:lstStyle/>
-                    <a:p>
-                      <a:r>
-                        <a:rPr lang="sv-SE" sz="1400" dirty="0" smtClean="0"/>
-                        <a:t>Int</a:t>
-                      </a:r>
-                      <a:endParaRPr lang="sv-SE" sz="1400" dirty="0"/>
-                    </a:p>
-                  </a:txBody>
-                  <a:tcPr/>
-                </a:tc>
-                <a:tc>
-                  <a:txBody>
-                    <a:bodyPr/>
-                    <a:lstStyle/>
-                    <a:p>
-                      <a:r>
-                        <a:rPr lang="sv-SE" sz="1400" dirty="0" smtClean="0"/>
-                        <a:t>No</a:t>
-                      </a:r>
-                      <a:endParaRPr lang="sv-SE" sz="1400" dirty="0"/>
-                    </a:p>
-                  </a:txBody>
-                  <a:tcPr/>
-                </a:tc>
-              </a:tr>
-              <a:tr h="145363">
-                <a:tc>
-                  <a:txBody>
-                    <a:bodyPr/>
-                    <a:lstStyle/>
-                    <a:p>
-                      <a:r>
-                        <a:rPr lang="sv-SE" sz="1400" dirty="0" smtClean="0"/>
-                        <a:t>Kontaktuppgift</a:t>
-                      </a:r>
-                      <a:endParaRPr lang="sv-SE" sz="1400" dirty="0"/>
-                    </a:p>
-                  </a:txBody>
-                  <a:tcPr/>
-                </a:tc>
-                <a:tc>
-                  <a:txBody>
-                    <a:bodyPr/>
-                    <a:lstStyle/>
-                    <a:p>
-                      <a:r>
-                        <a:rPr lang="sv-SE" sz="1400" dirty="0" smtClean="0"/>
-                        <a:t>Varchar(25)</a:t>
-                      </a:r>
-                      <a:endParaRPr lang="sv-SE" sz="1400" dirty="0"/>
-                    </a:p>
-                  </a:txBody>
-                  <a:tcPr/>
-                </a:tc>
-                <a:tc>
-                  <a:txBody>
-                    <a:bodyPr/>
-                    <a:lstStyle/>
-                    <a:p>
-                      <a:r>
-                        <a:rPr lang="sv-SE" sz="1400" dirty="0" smtClean="0"/>
-                        <a:t>No</a:t>
-                      </a:r>
-                      <a:endParaRPr lang="sv-SE" sz="1400" dirty="0"/>
-                    </a:p>
-                  </a:txBody>
-                  <a:tcPr/>
-                </a:tc>
-              </a:tr>
-            </a:tbl>
-          </a:graphicData>
-        </a:graphic>
-      </p:graphicFrame>
-      <p:graphicFrame>
-        <p:nvGraphicFramePr>
-          <p:cNvPr id="58" name="Table 57"/>
-          <p:cNvGraphicFramePr>
-            <a:graphicFrameLocks noGrp="1"/>
-          </p:cNvGraphicFramePr>
-          <p:nvPr>
-            <p:extLst>
-              <p:ext uri="{D42A27DB-BD31-4B8C-83A1-F6EECF244321}">
-                <p14:modId xmlns:p14="http://schemas.microsoft.com/office/powerpoint/2010/main" val="225411027"/>
-              </p:ext>
-            </p:extLst>
-          </p:nvPr>
-        </p:nvGraphicFramePr>
-        <p:xfrm>
-          <a:off x="693964" y="2760025"/>
-          <a:ext cx="3150743" cy="914400"/>
-        </p:xfrm>
-        <a:graphic>
-          <a:graphicData uri="http://schemas.openxmlformats.org/drawingml/2006/table">
-            <a:tbl>
-              <a:tblPr firstRow="1" bandRow="1">
-                <a:tableStyleId>{5C22544A-7EE6-4342-B048-85BDC9FD1C3A}</a:tableStyleId>
-              </a:tblPr>
-              <a:tblGrid>
-                <a:gridCol w="1246505"/>
-                <a:gridCol w="1064133"/>
-                <a:gridCol w="840105"/>
-              </a:tblGrid>
-              <a:tr h="140427">
-                <a:tc>
-                  <a:txBody>
-                    <a:bodyPr/>
-                    <a:lstStyle/>
-                    <a:p>
-                      <a:r>
-                        <a:rPr lang="sv-SE" sz="1400" dirty="0" smtClean="0"/>
-                        <a:t>Column name</a:t>
-                      </a:r>
-                      <a:endParaRPr lang="sv-SE" sz="1400" dirty="0"/>
-                    </a:p>
-                  </a:txBody>
-                  <a:tcPr/>
-                </a:tc>
-                <a:tc>
-                  <a:txBody>
-                    <a:bodyPr/>
-                    <a:lstStyle/>
-                    <a:p>
-                      <a:r>
-                        <a:rPr lang="sv-SE" sz="1400" dirty="0" smtClean="0"/>
-                        <a:t>Type</a:t>
-                      </a:r>
-                      <a:endParaRPr lang="sv-SE" sz="1400" dirty="0"/>
-                    </a:p>
-                  </a:txBody>
-                  <a:tcPr/>
-                </a:tc>
-                <a:tc>
-                  <a:txBody>
-                    <a:bodyPr/>
-                    <a:lstStyle/>
-                    <a:p>
-                      <a:r>
-                        <a:rPr lang="sv-SE" sz="1400" dirty="0" smtClean="0"/>
-                        <a:t>Nullable</a:t>
-                      </a:r>
-                      <a:endParaRPr lang="sv-SE" sz="1400" dirty="0"/>
-                    </a:p>
-                  </a:txBody>
-                  <a:tcPr/>
-                </a:tc>
-              </a:tr>
-              <a:tr h="123659">
-                <a:tc>
-                  <a:txBody>
-                    <a:bodyPr/>
-                    <a:lstStyle/>
-                    <a:p>
-                      <a:r>
-                        <a:rPr lang="sv-SE" sz="1400" dirty="0" smtClean="0"/>
-                        <a:t>KontypID </a:t>
-                      </a:r>
-                      <a:r>
-                        <a:rPr lang="sv-SE" sz="1400" b="1" dirty="0" smtClean="0"/>
-                        <a:t>PK</a:t>
-                      </a:r>
-                      <a:endParaRPr lang="sv-SE" sz="1400" dirty="0"/>
-                    </a:p>
-                  </a:txBody>
-                  <a:tcPr/>
-                </a:tc>
-                <a:tc>
-                  <a:txBody>
-                    <a:bodyPr/>
-                    <a:lstStyle/>
-                    <a:p>
-                      <a:r>
-                        <a:rPr lang="sv-SE" sz="1400" dirty="0" smtClean="0"/>
-                        <a:t>Int</a:t>
-                      </a:r>
-                      <a:endParaRPr lang="sv-SE" sz="1400" dirty="0"/>
-                    </a:p>
-                  </a:txBody>
-                  <a:tcPr/>
-                </a:tc>
-                <a:tc>
-                  <a:txBody>
-                    <a:bodyPr/>
-                    <a:lstStyle/>
-                    <a:p>
-                      <a:r>
-                        <a:rPr lang="sv-SE" sz="1400" dirty="0" smtClean="0"/>
-                        <a:t>No</a:t>
-                      </a:r>
-                      <a:endParaRPr lang="sv-SE" sz="1400" dirty="0"/>
-                    </a:p>
-                  </a:txBody>
-                  <a:tcPr/>
-                </a:tc>
-              </a:tr>
-              <a:tr h="0">
-                <a:tc>
-                  <a:txBody>
-                    <a:bodyPr/>
-                    <a:lstStyle/>
-                    <a:p>
-                      <a:r>
-                        <a:rPr lang="sv-SE" sz="1400" dirty="0" smtClean="0"/>
-                        <a:t>Kontyp</a:t>
-                      </a:r>
-                      <a:endParaRPr lang="sv-SE" sz="1400" dirty="0"/>
-                    </a:p>
-                  </a:txBody>
-                  <a:tcPr/>
-                </a:tc>
-                <a:tc>
-                  <a:txBody>
-                    <a:bodyPr/>
-                    <a:lstStyle/>
-                    <a:p>
-                      <a:r>
-                        <a:rPr lang="sv-SE" sz="1400" dirty="0" smtClean="0"/>
-                        <a:t>Varchar(10)</a:t>
-                      </a:r>
-                      <a:endParaRPr lang="sv-SE" sz="1400" dirty="0"/>
-                    </a:p>
-                  </a:txBody>
-                  <a:tcPr/>
-                </a:tc>
-                <a:tc>
-                  <a:txBody>
-                    <a:bodyPr/>
-                    <a:lstStyle/>
-                    <a:p>
-                      <a:r>
-                        <a:rPr lang="sv-SE" sz="1400" dirty="0" smtClean="0"/>
-                        <a:t>No</a:t>
-                      </a:r>
-                      <a:endParaRPr lang="sv-SE" sz="1400" dirty="0"/>
-                    </a:p>
-                  </a:txBody>
-                  <a:tcPr/>
-                </a:tc>
-              </a:tr>
-            </a:tbl>
-          </a:graphicData>
-        </a:graphic>
-      </p:graphicFrame>
       <p:sp>
         <p:nvSpPr>
           <p:cNvPr id="5" name="TextBox 4"/>
@@ -5207,8 +4301,8 @@
         </p:nvSpPr>
         <p:spPr>
           <a:xfrm>
-            <a:off x="4832925" y="408304"/>
-            <a:ext cx="3128657" cy="369332"/>
+            <a:off x="-38113" y="352170"/>
+            <a:ext cx="3128657" cy="338554"/>
           </a:xfrm>
           <a:prstGeom prst="rect">
             <a:avLst/>
@@ -5222,10 +4316,10 @@
           <a:lstStyle/>
           <a:p>
             <a:r>
-              <a:rPr lang="sv-SE" b="1" dirty="0" smtClean="0"/>
+              <a:rPr lang="sv-SE" sz="1600" b="1" dirty="0" smtClean="0"/>
               <a:t>Medlem</a:t>
             </a:r>
-            <a:endParaRPr lang="sv-SE" b="1" dirty="0"/>
+            <a:endParaRPr lang="sv-SE" sz="1600" b="1" dirty="0"/>
           </a:p>
         </p:txBody>
       </p:sp>
@@ -5237,8 +4331,8 @@
         </p:nvSpPr>
         <p:spPr>
           <a:xfrm>
-            <a:off x="705007" y="437088"/>
-            <a:ext cx="3128657" cy="369332"/>
+            <a:off x="3279787" y="306030"/>
+            <a:ext cx="3128657" cy="338554"/>
           </a:xfrm>
           <a:prstGeom prst="rect">
             <a:avLst/>
@@ -5252,10 +4346,10 @@
           <a:lstStyle/>
           <a:p>
             <a:r>
-              <a:rPr lang="sv-SE" b="1" dirty="0" smtClean="0"/>
-              <a:t>Kontakt</a:t>
-            </a:r>
-            <a:endParaRPr lang="sv-SE" b="1" dirty="0"/>
+              <a:rPr lang="sv-SE" sz="1600" b="1" dirty="0" smtClean="0"/>
+              <a:t>Medlemsaktivitet</a:t>
+            </a:r>
+            <a:endParaRPr lang="sv-SE" sz="1600" b="1" dirty="0"/>
           </a:p>
         </p:txBody>
       </p:sp>
@@ -5267,8 +4361,8 @@
         </p:nvSpPr>
         <p:spPr>
           <a:xfrm>
-            <a:off x="705007" y="2483601"/>
-            <a:ext cx="3128657" cy="369332"/>
+            <a:off x="3279787" y="2771232"/>
+            <a:ext cx="1004181" cy="338554"/>
           </a:xfrm>
           <a:prstGeom prst="rect">
             <a:avLst/>
@@ -5282,10 +4376,10 @@
           <a:lstStyle/>
           <a:p>
             <a:r>
-              <a:rPr lang="sv-SE" b="1" dirty="0" smtClean="0"/>
-              <a:t>Kontakttyp</a:t>
-            </a:r>
-            <a:endParaRPr lang="sv-SE" b="1" dirty="0"/>
+              <a:rPr lang="sv-SE" sz="1600" b="1" dirty="0" smtClean="0"/>
+              <a:t>Aktivitet</a:t>
+            </a:r>
+            <a:endParaRPr lang="sv-SE" sz="1600" b="1" dirty="0"/>
           </a:p>
         </p:txBody>
       </p:sp>
@@ -5298,14 +4392,14 @@
           <p:nvPr>
             <p:extLst>
               <p:ext uri="{D42A27DB-BD31-4B8C-83A1-F6EECF244321}">
-                <p14:modId xmlns:p14="http://schemas.microsoft.com/office/powerpoint/2010/main" val="4123253356"/>
+                <p14:modId xmlns:p14="http://schemas.microsoft.com/office/powerpoint/2010/main" val="4033710518"/>
               </p:ext>
             </p:extLst>
           </p:nvPr>
         </p:nvGraphicFramePr>
         <p:xfrm>
-          <a:off x="94055" y="4077072"/>
-          <a:ext cx="7222175" cy="1112520"/>
+          <a:off x="20764" y="5544904"/>
+          <a:ext cx="7222175" cy="914400"/>
         </p:xfrm>
         <a:graphic>
           <a:graphicData uri="http://schemas.openxmlformats.org/drawingml/2006/table">
@@ -5323,7 +4417,7 @@
                 <a:gridCol w="700342"/>
                 <a:gridCol w="801116"/>
               </a:tblGrid>
-              <a:tr h="370840">
+              <a:tr h="0">
                 <a:tc>
                   <a:txBody>
                     <a:bodyPr/>
@@ -5719,7 +4813,7 @@
                   </a:tcPr>
                 </a:tc>
               </a:tr>
-              <a:tr h="370840">
+              <a:tr h="193000">
                 <a:tc>
                   <a:txBody>
                     <a:bodyPr/>
@@ -5917,7 +5011,7 @@
                   </a:tcPr>
                 </a:tc>
               </a:tr>
-              <a:tr h="370840">
+              <a:tr h="0">
                 <a:tc>
                   <a:txBody>
                     <a:bodyPr/>
@@ -6043,7 +5137,7 @@
         </p:nvSpPr>
         <p:spPr>
           <a:xfrm>
-            <a:off x="79102" y="3789040"/>
+            <a:off x="0" y="5303559"/>
             <a:ext cx="1383106" cy="307777"/>
           </a:xfrm>
           <a:prstGeom prst="rect">
@@ -6074,14 +5168,14 @@
           <p:nvPr>
             <p:extLst>
               <p:ext uri="{D42A27DB-BD31-4B8C-83A1-F6EECF244321}">
-                <p14:modId xmlns:p14="http://schemas.microsoft.com/office/powerpoint/2010/main" val="3775441221"/>
+                <p14:modId xmlns:p14="http://schemas.microsoft.com/office/powerpoint/2010/main" val="4190801951"/>
               </p:ext>
             </p:extLst>
           </p:nvPr>
         </p:nvGraphicFramePr>
         <p:xfrm>
-          <a:off x="140529" y="5589240"/>
-          <a:ext cx="3602863" cy="1112520"/>
+          <a:off x="33067" y="4387857"/>
+          <a:ext cx="5529899" cy="914400"/>
         </p:xfrm>
         <a:graphic>
           <a:graphicData uri="http://schemas.openxmlformats.org/drawingml/2006/table">
@@ -6090,20 +5184,22 @@
                 <a:tableStyleId>{5C22544A-7EE6-4342-B048-85BDC9FD1C3A}</a:tableStyleId>
               </a:tblPr>
               <a:tblGrid>
-                <a:gridCol w="667385"/>
-                <a:gridCol w="696976"/>
-                <a:gridCol w="907034"/>
-                <a:gridCol w="1331468"/>
+                <a:gridCol w="956691"/>
+                <a:gridCol w="722630"/>
+                <a:gridCol w="637604"/>
+                <a:gridCol w="1098360"/>
+                <a:gridCol w="1060196"/>
+                <a:gridCol w="1054418"/>
               </a:tblGrid>
-              <a:tr h="370840">
-                <a:tc>
-                  <a:txBody>
-                    <a:bodyPr/>
-                    <a:lstStyle/>
-                    <a:p>
-                      <a:r>
-                        <a:rPr lang="sv-SE" sz="1400" dirty="0" smtClean="0"/>
-                        <a:t>KonID</a:t>
+              <a:tr h="194424">
+                <a:tc>
+                  <a:txBody>
+                    <a:bodyPr/>
+                    <a:lstStyle/>
+                    <a:p>
+                      <a:r>
+                        <a:rPr lang="sv-SE" sz="1400" dirty="0" smtClean="0"/>
+                        <a:t>MedaktID</a:t>
                       </a:r>
                       <a:endParaRPr lang="sv-SE" sz="1400" dirty="0"/>
                     </a:p>
@@ -6203,7 +5299,7 @@
                     <a:p>
                       <a:r>
                         <a:rPr lang="sv-SE" sz="1400" dirty="0" smtClean="0"/>
-                        <a:t>KontypID</a:t>
+                        <a:t>AktID</a:t>
                       </a:r>
                       <a:endParaRPr lang="sv-SE" sz="1400" dirty="0"/>
                     </a:p>
@@ -6252,7 +5348,7 @@
                     <a:p>
                       <a:r>
                         <a:rPr lang="sv-SE" sz="1400" dirty="0" smtClean="0"/>
-                        <a:t>Kontaktuppgift</a:t>
+                        <a:t>Avgiftstatus</a:t>
                       </a:r>
                       <a:endParaRPr lang="sv-SE" sz="1400" dirty="0"/>
                     </a:p>
@@ -6294,8 +5390,106 @@
                     </a:lnB>
                   </a:tcPr>
                 </a:tc>
+                <a:tc>
+                  <a:txBody>
+                    <a:bodyPr/>
+                    <a:lstStyle/>
+                    <a:p>
+                      <a:r>
+                        <a:rPr lang="sv-SE" sz="1400" dirty="0" smtClean="0"/>
+                        <a:t>Startdatum</a:t>
+                      </a:r>
+                      <a:endParaRPr lang="sv-SE" sz="1400" dirty="0"/>
+                    </a:p>
+                  </a:txBody>
+                  <a:tcPr>
+                    <a:lnL w="12700" cap="flat" cmpd="sng" algn="ctr">
+                      <a:solidFill>
+                        <a:schemeClr val="tx1"/>
+                      </a:solidFill>
+                      <a:prstDash val="solid"/>
+                      <a:round/>
+                      <a:headEnd type="none" w="med" len="med"/>
+                      <a:tailEnd type="none" w="med" len="med"/>
+                    </a:lnL>
+                    <a:lnR w="12700" cap="flat" cmpd="sng" algn="ctr">
+                      <a:solidFill>
+                        <a:schemeClr val="tx1"/>
+                      </a:solidFill>
+                      <a:prstDash val="solid"/>
+                      <a:round/>
+                      <a:headEnd type="none" w="med" len="med"/>
+                      <a:tailEnd type="none" w="med" len="med"/>
+                    </a:lnR>
+                    <a:lnT w="12700" cap="flat" cmpd="sng" algn="ctr">
+                      <a:noFill/>
+                      <a:prstDash val="solid"/>
+                      <a:round/>
+                      <a:headEnd type="none" w="med" len="med"/>
+                      <a:tailEnd type="none" w="med" len="med"/>
+                    </a:lnT>
+                    <a:lnB w="12700" cap="flat" cmpd="sng" algn="ctr">
+                      <a:solidFill>
+                        <a:schemeClr val="tx1"/>
+                      </a:solidFill>
+                      <a:prstDash val="solid"/>
+                      <a:round/>
+                      <a:headEnd type="none" w="med" len="med"/>
+                      <a:tailEnd type="none" w="med" len="med"/>
+                    </a:lnB>
+                  </a:tcPr>
+                </a:tc>
+                <a:tc>
+                  <a:txBody>
+                    <a:bodyPr/>
+                    <a:lstStyle/>
+                    <a:p>
+                      <a:r>
+                        <a:rPr lang="sv-SE" sz="1400" dirty="0" smtClean="0"/>
+                        <a:t>Slutdatum</a:t>
+                      </a:r>
+                      <a:endParaRPr lang="sv-SE" sz="1400" dirty="0"/>
+                    </a:p>
+                  </a:txBody>
+                  <a:tcPr>
+                    <a:lnL w="12700" cap="flat" cmpd="sng" algn="ctr">
+                      <a:solidFill>
+                        <a:schemeClr val="tx1"/>
+                      </a:solidFill>
+                      <a:prstDash val="solid"/>
+                      <a:round/>
+                      <a:headEnd type="none" w="med" len="med"/>
+                      <a:tailEnd type="none" w="med" len="med"/>
+                    </a:lnL>
+                    <a:lnR w="12700" cap="flat" cmpd="sng" algn="ctr">
+                      <a:solidFill>
+                        <a:schemeClr val="tx1"/>
+                      </a:solidFill>
+                      <a:prstDash val="solid"/>
+                      <a:round/>
+                      <a:headEnd type="none" w="med" len="med"/>
+                      <a:tailEnd type="none" w="med" len="med"/>
+                    </a:lnR>
+                    <a:lnT w="12700" cap="flat" cmpd="sng" algn="ctr">
+                      <a:noFill/>
+                      <a:prstDash val="solid"/>
+                      <a:round/>
+                      <a:headEnd type="none" w="med" len="med"/>
+                      <a:tailEnd type="none" w="med" len="med"/>
+                    </a:lnT>
+                    <a:lnB w="12700" cap="flat" cmpd="sng" algn="ctr">
+                      <a:solidFill>
+                        <a:schemeClr val="tx1"/>
+                      </a:solidFill>
+                      <a:prstDash val="solid"/>
+                      <a:round/>
+                      <a:headEnd type="none" w="med" len="med"/>
+                      <a:tailEnd type="none" w="med" len="med"/>
+                    </a:lnB>
+                  </a:tcPr>
+                </a:tc>
               </a:tr>
-              <a:tr h="370840">
+              <a:tr h="0">
                 <a:tc>
                   <a:txBody>
                     <a:bodyPr/>
@@ -6375,7 +5569,7 @@
                     <a:p>
                       <a:r>
                         <a:rPr lang="sv-SE" sz="1400" dirty="0" smtClean="0"/>
-                        <a:t>erik@ak.se</a:t>
+                        <a:t>Betald</a:t>
                       </a:r>
                       <a:endParaRPr lang="sv-SE" sz="1400" dirty="0"/>
                     </a:p>
@@ -6392,8 +5586,56 @@
                     </a:lnT>
                   </a:tcPr>
                 </a:tc>
+                <a:tc>
+                  <a:txBody>
+                    <a:bodyPr/>
+                    <a:lstStyle/>
+                    <a:p>
+                      <a:r>
+                        <a:rPr lang="sv-SE" sz="1400" dirty="0" smtClean="0"/>
+                        <a:t>2012-01-01</a:t>
+                      </a:r>
+                      <a:endParaRPr lang="sv-SE" sz="1400" dirty="0"/>
+                    </a:p>
+                  </a:txBody>
+                  <a:tcPr>
+                    <a:lnT w="12700" cap="flat" cmpd="sng" algn="ctr">
+                      <a:solidFill>
+                        <a:schemeClr val="tx1"/>
+                      </a:solidFill>
+                      <a:prstDash val="solid"/>
+                      <a:round/>
+                      <a:headEnd type="none" w="med" len="med"/>
+                      <a:tailEnd type="none" w="med" len="med"/>
+                    </a:lnT>
+                  </a:tcPr>
+                </a:tc>
+                <a:tc>
+                  <a:txBody>
+                    <a:bodyPr/>
+                    <a:lstStyle/>
+                    <a:p>
+                      <a:r>
+                        <a:rPr lang="sv-SE" sz="1400" dirty="0" smtClean="0"/>
+                        <a:t>2100-12-31</a:t>
+                      </a:r>
+                      <a:endParaRPr lang="sv-SE" sz="1400" dirty="0"/>
+                    </a:p>
+                  </a:txBody>
+                  <a:tcPr>
+                    <a:lnT w="12700" cap="flat" cmpd="sng" algn="ctr">
+                      <a:solidFill>
+                        <a:schemeClr val="tx1"/>
+                      </a:solidFill>
+                      <a:prstDash val="solid"/>
+                      <a:round/>
+                      <a:headEnd type="none" w="med" len="med"/>
+                      <a:tailEnd type="none" w="med" len="med"/>
+                    </a:lnT>
+                  </a:tcPr>
+                </a:tc>
               </a:tr>
-              <a:tr h="370840">
+              <a:tr h="0">
                 <a:tc>
                   <a:txBody>
                     <a:bodyPr/>
@@ -6443,7 +5685,35 @@
                     <a:p>
                       <a:r>
                         <a:rPr lang="sv-SE" sz="1400" dirty="0" smtClean="0"/>
-                        <a:t>070856141</a:t>
+                        <a:t>Obetald</a:t>
+                      </a:r>
+                      <a:endParaRPr lang="sv-SE" sz="1400" dirty="0"/>
+                    </a:p>
+                  </a:txBody>
+                  <a:tcPr/>
+                </a:tc>
+                <a:tc>
+                  <a:txBody>
+                    <a:bodyPr/>
+                    <a:lstStyle/>
+                    <a:p>
+                      <a:r>
+                        <a:rPr lang="sv-SE" sz="1400" dirty="0" smtClean="0"/>
+                        <a:t>2014-02-13</a:t>
+                      </a:r>
+                      <a:endParaRPr lang="sv-SE" sz="1400" dirty="0"/>
+                    </a:p>
+                  </a:txBody>
+                  <a:tcPr/>
+                </a:tc>
+                <a:tc>
+                  <a:txBody>
+                    <a:bodyPr/>
+                    <a:lstStyle/>
+                    <a:p>
+                      <a:r>
+                        <a:rPr lang="sv-SE" sz="1400" dirty="0" smtClean="0"/>
+                        <a:t>2100-12-31</a:t>
                       </a:r>
                       <a:endParaRPr lang="sv-SE" sz="1400" dirty="0"/>
                     </a:p>
@@ -6463,7 +5733,37 @@
         </p:nvSpPr>
         <p:spPr>
           <a:xfrm>
-            <a:off x="101546" y="5319614"/>
+            <a:off x="-17333" y="4149080"/>
+            <a:ext cx="1734150" cy="307777"/>
+          </a:xfrm>
+          <a:prstGeom prst="rect">
+            <a:avLst/>
+          </a:prstGeom>
+          <a:noFill/>
+        </p:spPr>
+        <p:txBody>
+          <a:bodyPr wrap="square" rtlCol="0">
+            <a:spAutoFit/>
+          </a:bodyPr>
+          <a:lstStyle/>
+          <a:p>
+            <a:r>
+              <a:rPr lang="sv-SE" sz="1400" b="1" dirty="0" smtClean="0"/>
+              <a:t>Medlemsaktivitet</a:t>
+            </a:r>
+            <a:endParaRPr lang="sv-SE" sz="1400" b="1" dirty="0"/>
+          </a:p>
+        </p:txBody>
+      </p:sp>
+      <p:sp>
+        <p:nvSpPr>
+          <p:cNvPr id="79" name="TextBox 78"/>
+          <p:cNvSpPr txBox="1"/>
+          <p:nvPr/>
+        </p:nvSpPr>
+        <p:spPr>
+          <a:xfrm>
+            <a:off x="6885869" y="3356992"/>
             <a:ext cx="1368152" cy="307777"/>
           </a:xfrm>
           <a:prstGeom prst="rect">
@@ -6479,37 +5779,7 @@
           <a:p>
             <a:r>
               <a:rPr lang="sv-SE" sz="1400" b="1" dirty="0" smtClean="0"/>
-              <a:t>Kontakt</a:t>
-            </a:r>
-            <a:endParaRPr lang="sv-SE" sz="1400" b="1" dirty="0"/>
-          </a:p>
-        </p:txBody>
-      </p:sp>
-      <p:sp>
-        <p:nvSpPr>
-          <p:cNvPr id="79" name="TextBox 78"/>
-          <p:cNvSpPr txBox="1"/>
-          <p:nvPr/>
-        </p:nvSpPr>
-        <p:spPr>
-          <a:xfrm>
-            <a:off x="3788633" y="5329679"/>
-            <a:ext cx="1368152" cy="307777"/>
-          </a:xfrm>
-          <a:prstGeom prst="rect">
-            <a:avLst/>
-          </a:prstGeom>
-          <a:noFill/>
-        </p:spPr>
-        <p:txBody>
-          <a:bodyPr wrap="square" rtlCol="0">
-            <a:spAutoFit/>
-          </a:bodyPr>
-          <a:lstStyle/>
-          <a:p>
-            <a:r>
-              <a:rPr lang="sv-SE" sz="1400" b="1" dirty="0" smtClean="0"/>
-              <a:t>Kontakttyp</a:t>
+              <a:t>Aktivitet</a:t>
             </a:r>
             <a:endParaRPr lang="sv-SE" sz="1400" b="1" dirty="0"/>
           </a:p>
@@ -6524,14 +5794,14 @@
           <p:nvPr>
             <p:extLst>
               <p:ext uri="{D42A27DB-BD31-4B8C-83A1-F6EECF244321}">
-                <p14:modId xmlns:p14="http://schemas.microsoft.com/office/powerpoint/2010/main" val="4089902503"/>
+                <p14:modId xmlns:p14="http://schemas.microsoft.com/office/powerpoint/2010/main" val="315955025"/>
               </p:ext>
             </p:extLst>
           </p:nvPr>
         </p:nvGraphicFramePr>
         <p:xfrm>
-          <a:off x="3884945" y="5596587"/>
-          <a:ext cx="2065338" cy="1112520"/>
+          <a:off x="6869165" y="3628647"/>
+          <a:ext cx="2227644" cy="1828800"/>
         </p:xfrm>
         <a:graphic>
           <a:graphicData uri="http://schemas.openxmlformats.org/drawingml/2006/table">
@@ -6540,18 +5810,18 @@
                 <a:tableStyleId>{5C22544A-7EE6-4342-B048-85BDC9FD1C3A}</a:tableStyleId>
               </a:tblPr>
               <a:tblGrid>
-                <a:gridCol w="907034"/>
-                <a:gridCol w="1158304"/>
+                <a:gridCol w="637604"/>
+                <a:gridCol w="1590040"/>
               </a:tblGrid>
-              <a:tr h="370840">
-                <a:tc>
-                  <a:txBody>
-                    <a:bodyPr/>
-                    <a:lstStyle/>
-                    <a:p>
-                      <a:r>
-                        <a:rPr lang="sv-SE" sz="1400" dirty="0" smtClean="0"/>
-                        <a:t>KontypID</a:t>
+              <a:tr h="0">
+                <a:tc>
+                  <a:txBody>
+                    <a:bodyPr/>
+                    <a:lstStyle/>
+                    <a:p>
+                      <a:r>
+                        <a:rPr lang="sv-SE" sz="1400" dirty="0" smtClean="0"/>
+                        <a:t>AktID</a:t>
                       </a:r>
                       <a:endParaRPr lang="sv-SE" sz="1400" dirty="0"/>
                     </a:p>
@@ -6602,7 +5872,7 @@
                     <a:p>
                       <a:r>
                         <a:rPr lang="sv-SE" sz="1400" dirty="0" smtClean="0"/>
-                        <a:t>Kontyp</a:t>
+                        <a:t>Akttyp</a:t>
                       </a:r>
                       <a:endParaRPr lang="sv-SE" sz="1400" dirty="0"/>
                     </a:p>
@@ -6645,7 +5915,7 @@
                   </a:tcPr>
                 </a:tc>
               </a:tr>
-              <a:tr h="370840">
+              <a:tr h="161596">
                 <a:tc>
                   <a:txBody>
                     <a:bodyPr/>
@@ -6677,7 +5947,7 @@
                     <a:p>
                       <a:r>
                         <a:rPr lang="sv-SE" sz="1400" dirty="0" smtClean="0"/>
-                        <a:t>Mobiltelefon</a:t>
+                        <a:t>Boxning</a:t>
                       </a:r>
                       <a:endParaRPr lang="sv-SE" sz="1400" dirty="0"/>
                     </a:p>
@@ -6695,7 +5965,7 @@
                   </a:tcPr>
                 </a:tc>
               </a:tr>
-              <a:tr h="370840">
+              <a:tr h="144828">
                 <a:tc>
                   <a:txBody>
                     <a:bodyPr/>
@@ -6717,7 +5987,1166 @@
                     <a:p>
                       <a:r>
                         <a:rPr lang="sv-SE" sz="1400" dirty="0" smtClean="0"/>
-                        <a:t>E-post</a:t>
+                        <a:t>Fäktning</a:t>
+                      </a:r>
+                      <a:endParaRPr lang="sv-SE" sz="1400" dirty="0"/>
+                    </a:p>
+                  </a:txBody>
+                  <a:tcPr/>
+                </a:tc>
+              </a:tr>
+              <a:tr h="128060">
+                <a:tc>
+                  <a:txBody>
+                    <a:bodyPr/>
+                    <a:lstStyle/>
+                    <a:p>
+                      <a:r>
+                        <a:rPr lang="sv-SE" sz="1400" dirty="0" smtClean="0"/>
+                        <a:t>3</a:t>
+                      </a:r>
+                      <a:endParaRPr lang="sv-SE" sz="1400" dirty="0"/>
+                    </a:p>
+                  </a:txBody>
+                  <a:tcPr/>
+                </a:tc>
+                <a:tc>
+                  <a:txBody>
+                    <a:bodyPr/>
+                    <a:lstStyle/>
+                    <a:p>
+                      <a:r>
+                        <a:rPr lang="sv-SE" sz="1400" dirty="0" smtClean="0"/>
+                        <a:t>Historieberättande</a:t>
+                      </a:r>
+                      <a:endParaRPr lang="sv-SE" sz="1400" dirty="0"/>
+                    </a:p>
+                  </a:txBody>
+                  <a:tcPr/>
+                </a:tc>
+              </a:tr>
+              <a:tr h="0">
+                <a:tc>
+                  <a:txBody>
+                    <a:bodyPr/>
+                    <a:lstStyle/>
+                    <a:p>
+                      <a:r>
+                        <a:rPr lang="sv-SE" sz="1400" dirty="0" smtClean="0"/>
+                        <a:t>4</a:t>
+                      </a:r>
+                      <a:endParaRPr lang="sv-SE" sz="1400" dirty="0"/>
+                    </a:p>
+                  </a:txBody>
+                  <a:tcPr/>
+                </a:tc>
+                <a:tc>
+                  <a:txBody>
+                    <a:bodyPr/>
+                    <a:lstStyle/>
+                    <a:p>
+                      <a:r>
+                        <a:rPr lang="sv-SE" sz="1400" dirty="0" smtClean="0"/>
+                        <a:t>Klättring</a:t>
+                      </a:r>
+                      <a:endParaRPr lang="sv-SE" sz="1400" dirty="0"/>
+                    </a:p>
+                  </a:txBody>
+                  <a:tcPr/>
+                </a:tc>
+              </a:tr>
+              <a:tr h="0">
+                <a:tc>
+                  <a:txBody>
+                    <a:bodyPr/>
+                    <a:lstStyle/>
+                    <a:p>
+                      <a:r>
+                        <a:rPr lang="sv-SE" sz="1400" dirty="0" smtClean="0"/>
+                        <a:t>5</a:t>
+                      </a:r>
+                      <a:endParaRPr lang="sv-SE" sz="1400" dirty="0"/>
+                    </a:p>
+                  </a:txBody>
+                  <a:tcPr/>
+                </a:tc>
+                <a:tc>
+                  <a:txBody>
+                    <a:bodyPr/>
+                    <a:lstStyle/>
+                    <a:p>
+                      <a:r>
+                        <a:rPr lang="sv-SE" sz="1400" dirty="0" smtClean="0"/>
+                        <a:t>Poesi</a:t>
+                      </a:r>
+                      <a:endParaRPr lang="sv-SE" sz="1400" dirty="0"/>
+                    </a:p>
+                  </a:txBody>
+                  <a:tcPr/>
+                </a:tc>
+              </a:tr>
+            </a:tbl>
+          </a:graphicData>
+        </a:graphic>
+      </p:graphicFrame>
+      <p:grpSp>
+        <p:nvGrpSpPr>
+          <p:cNvPr id="36" name="Grupp 7"/>
+          <p:cNvGrpSpPr>
+            <a:grpSpLocks/>
+          </p:cNvGrpSpPr>
+          <p:nvPr/>
+        </p:nvGrpSpPr>
+        <p:grpSpPr bwMode="auto">
+          <a:xfrm>
+            <a:off x="3113317" y="1202601"/>
+            <a:ext cx="240003" cy="288925"/>
+            <a:chOff x="3228794" y="692696"/>
+            <a:chExt cx="263086" cy="288032"/>
+          </a:xfrm>
+        </p:grpSpPr>
+        <p:cxnSp>
+          <p:nvCxnSpPr>
+            <p:cNvPr id="43" name="Rak 5"/>
+            <p:cNvCxnSpPr/>
+            <p:nvPr/>
+          </p:nvCxnSpPr>
+          <p:spPr>
+            <a:xfrm flipV="1">
+              <a:off x="3228794" y="836711"/>
+              <a:ext cx="263084" cy="1"/>
+            </a:xfrm>
+            <a:prstGeom prst="line">
+              <a:avLst/>
+            </a:prstGeom>
+            <a:ln w="9525">
+              <a:solidFill>
+                <a:schemeClr val="tx1"/>
+              </a:solidFill>
+            </a:ln>
+          </p:spPr>
+          <p:style>
+            <a:lnRef idx="1">
+              <a:schemeClr val="accent1"/>
+            </a:lnRef>
+            <a:fillRef idx="0">
+              <a:schemeClr val="accent1"/>
+            </a:fillRef>
+            <a:effectRef idx="0">
+              <a:schemeClr val="accent1"/>
+            </a:effectRef>
+            <a:fontRef idx="minor">
+              <a:schemeClr val="tx1"/>
+            </a:fontRef>
+          </p:style>
+        </p:cxnSp>
+        <p:sp>
+          <p:nvSpPr>
+            <p:cNvPr id="44" name="Rektangel 6"/>
+            <p:cNvSpPr/>
+            <p:nvPr/>
+          </p:nvSpPr>
+          <p:spPr>
+            <a:xfrm>
+              <a:off x="3420483" y="692696"/>
+              <a:ext cx="71397" cy="288032"/>
+            </a:xfrm>
+            <a:prstGeom prst="rect">
+              <a:avLst/>
+            </a:prstGeom>
+            <a:noFill/>
+            <a:ln w="9525">
+              <a:solidFill>
+                <a:schemeClr val="tx1"/>
+              </a:solidFill>
+            </a:ln>
+          </p:spPr>
+          <p:style>
+            <a:lnRef idx="2">
+              <a:schemeClr val="accent1">
+                <a:shade val="50000"/>
+              </a:schemeClr>
+            </a:lnRef>
+            <a:fillRef idx="1">
+              <a:schemeClr val="accent1"/>
+            </a:fillRef>
+            <a:effectRef idx="0">
+              <a:schemeClr val="accent1"/>
+            </a:effectRef>
+            <a:fontRef idx="minor">
+              <a:schemeClr val="lt1"/>
+            </a:fontRef>
+          </p:style>
+          <p:txBody>
+            <a:bodyPr anchor="ctr"/>
+            <a:lstStyle/>
+            <a:p>
+              <a:pPr algn="ctr" fontAlgn="auto">
+                <a:spcBef>
+                  <a:spcPts val="0"/>
+                </a:spcBef>
+                <a:spcAft>
+                  <a:spcPts val="0"/>
+                </a:spcAft>
+                <a:defRPr/>
+              </a:pPr>
+              <a:endParaRPr lang="sv-SE" sz="1600"/>
+            </a:p>
+          </p:txBody>
+        </p:sp>
+      </p:grpSp>
+      <p:graphicFrame>
+        <p:nvGraphicFramePr>
+          <p:cNvPr id="45" name="Table 44"/>
+          <p:cNvGraphicFramePr>
+            <a:graphicFrameLocks noGrp="1"/>
+          </p:cNvGraphicFramePr>
+          <p:nvPr>
+            <p:extLst>
+              <p:ext uri="{D42A27DB-BD31-4B8C-83A1-F6EECF244321}">
+                <p14:modId xmlns:p14="http://schemas.microsoft.com/office/powerpoint/2010/main" val="1458893197"/>
+              </p:ext>
+            </p:extLst>
+          </p:nvPr>
+        </p:nvGraphicFramePr>
+        <p:xfrm>
+          <a:off x="3323371" y="3068960"/>
+          <a:ext cx="3150743" cy="914400"/>
+        </p:xfrm>
+        <a:graphic>
+          <a:graphicData uri="http://schemas.openxmlformats.org/drawingml/2006/table">
+            <a:tbl>
+              <a:tblPr firstRow="1" bandRow="1">
+                <a:tableStyleId>{5C22544A-7EE6-4342-B048-85BDC9FD1C3A}</a:tableStyleId>
+              </a:tblPr>
+              <a:tblGrid>
+                <a:gridCol w="1246505"/>
+                <a:gridCol w="1064133"/>
+                <a:gridCol w="840105"/>
+              </a:tblGrid>
+              <a:tr h="140427">
+                <a:tc>
+                  <a:txBody>
+                    <a:bodyPr/>
+                    <a:lstStyle/>
+                    <a:p>
+                      <a:r>
+                        <a:rPr lang="sv-SE" sz="1400" dirty="0" smtClean="0"/>
+                        <a:t>Column name</a:t>
+                      </a:r>
+                      <a:endParaRPr lang="sv-SE" sz="1400" dirty="0"/>
+                    </a:p>
+                  </a:txBody>
+                  <a:tcPr/>
+                </a:tc>
+                <a:tc>
+                  <a:txBody>
+                    <a:bodyPr/>
+                    <a:lstStyle/>
+                    <a:p>
+                      <a:r>
+                        <a:rPr lang="sv-SE" sz="1400" dirty="0" smtClean="0"/>
+                        <a:t>Type</a:t>
+                      </a:r>
+                      <a:endParaRPr lang="sv-SE" sz="1400" dirty="0"/>
+                    </a:p>
+                  </a:txBody>
+                  <a:tcPr/>
+                </a:tc>
+                <a:tc>
+                  <a:txBody>
+                    <a:bodyPr/>
+                    <a:lstStyle/>
+                    <a:p>
+                      <a:r>
+                        <a:rPr lang="sv-SE" sz="1400" dirty="0" smtClean="0"/>
+                        <a:t>Nullable</a:t>
+                      </a:r>
+                      <a:endParaRPr lang="sv-SE" sz="1400" dirty="0"/>
+                    </a:p>
+                  </a:txBody>
+                  <a:tcPr/>
+                </a:tc>
+              </a:tr>
+              <a:tr h="123659">
+                <a:tc>
+                  <a:txBody>
+                    <a:bodyPr/>
+                    <a:lstStyle/>
+                    <a:p>
+                      <a:r>
+                        <a:rPr lang="sv-SE" sz="1400" dirty="0" smtClean="0"/>
+                        <a:t>AktID </a:t>
+                      </a:r>
+                      <a:r>
+                        <a:rPr lang="sv-SE" sz="1400" b="1" dirty="0" smtClean="0"/>
+                        <a:t>Pk</a:t>
+                      </a:r>
+                      <a:endParaRPr lang="sv-SE" sz="1400" dirty="0"/>
+                    </a:p>
+                  </a:txBody>
+                  <a:tcPr/>
+                </a:tc>
+                <a:tc>
+                  <a:txBody>
+                    <a:bodyPr/>
+                    <a:lstStyle/>
+                    <a:p>
+                      <a:r>
+                        <a:rPr lang="sv-SE" sz="1400" dirty="0" smtClean="0"/>
+                        <a:t>Int</a:t>
+                      </a:r>
+                      <a:endParaRPr lang="sv-SE" sz="1400" dirty="0"/>
+                    </a:p>
+                  </a:txBody>
+                  <a:tcPr/>
+                </a:tc>
+                <a:tc>
+                  <a:txBody>
+                    <a:bodyPr/>
+                    <a:lstStyle/>
+                    <a:p>
+                      <a:r>
+                        <a:rPr lang="sv-SE" sz="1400" dirty="0" smtClean="0"/>
+                        <a:t>No</a:t>
+                      </a:r>
+                      <a:endParaRPr lang="sv-SE" sz="1400" dirty="0"/>
+                    </a:p>
+                  </a:txBody>
+                  <a:tcPr/>
+                </a:tc>
+              </a:tr>
+              <a:tr h="0">
+                <a:tc>
+                  <a:txBody>
+                    <a:bodyPr/>
+                    <a:lstStyle/>
+                    <a:p>
+                      <a:r>
+                        <a:rPr lang="sv-SE" sz="1400" dirty="0" smtClean="0"/>
+                        <a:t>Akttyp</a:t>
+                      </a:r>
+                      <a:endParaRPr lang="sv-SE" sz="1400" dirty="0"/>
+                    </a:p>
+                  </a:txBody>
+                  <a:tcPr/>
+                </a:tc>
+                <a:tc>
+                  <a:txBody>
+                    <a:bodyPr/>
+                    <a:lstStyle/>
+                    <a:p>
+                      <a:r>
+                        <a:rPr lang="sv-SE" sz="1400" dirty="0" smtClean="0"/>
+                        <a:t>Varchar(10)</a:t>
+                      </a:r>
+                      <a:endParaRPr lang="sv-SE" sz="1400" dirty="0"/>
+                    </a:p>
+                  </a:txBody>
+                  <a:tcPr/>
+                </a:tc>
+                <a:tc>
+                  <a:txBody>
+                    <a:bodyPr/>
+                    <a:lstStyle/>
+                    <a:p>
+                      <a:r>
+                        <a:rPr lang="sv-SE" sz="1400" dirty="0" smtClean="0"/>
+                        <a:t>No</a:t>
+                      </a:r>
+                      <a:endParaRPr lang="sv-SE" sz="1400" dirty="0"/>
+                    </a:p>
+                  </a:txBody>
+                  <a:tcPr/>
+                </a:tc>
+              </a:tr>
+            </a:tbl>
+          </a:graphicData>
+        </a:graphic>
+      </p:graphicFrame>
+      <p:graphicFrame>
+        <p:nvGraphicFramePr>
+          <p:cNvPr id="52" name="Table 51"/>
+          <p:cNvGraphicFramePr>
+            <a:graphicFrameLocks noGrp="1"/>
+          </p:cNvGraphicFramePr>
+          <p:nvPr>
+            <p:extLst>
+              <p:ext uri="{D42A27DB-BD31-4B8C-83A1-F6EECF244321}">
+                <p14:modId xmlns:p14="http://schemas.microsoft.com/office/powerpoint/2010/main" val="4211263205"/>
+              </p:ext>
+            </p:extLst>
+          </p:nvPr>
+        </p:nvGraphicFramePr>
+        <p:xfrm>
+          <a:off x="3338460" y="637632"/>
+          <a:ext cx="3206306" cy="2133600"/>
+        </p:xfrm>
+        <a:graphic>
+          <a:graphicData uri="http://schemas.openxmlformats.org/drawingml/2006/table">
+            <a:tbl>
+              <a:tblPr firstRow="1" bandRow="1">
+                <a:tableStyleId>{5C22544A-7EE6-4342-B048-85BDC9FD1C3A}</a:tableStyleId>
+              </a:tblPr>
+              <a:tblGrid>
+                <a:gridCol w="1302068"/>
+                <a:gridCol w="1064133"/>
+                <a:gridCol w="840105"/>
+              </a:tblGrid>
+              <a:tr h="195252">
+                <a:tc>
+                  <a:txBody>
+                    <a:bodyPr/>
+                    <a:lstStyle/>
+                    <a:p>
+                      <a:r>
+                        <a:rPr lang="sv-SE" sz="1400" dirty="0" smtClean="0"/>
+                        <a:t>Column name</a:t>
+                      </a:r>
+                      <a:endParaRPr lang="sv-SE" sz="1400" dirty="0"/>
+                    </a:p>
+                  </a:txBody>
+                  <a:tcPr/>
+                </a:tc>
+                <a:tc>
+                  <a:txBody>
+                    <a:bodyPr/>
+                    <a:lstStyle/>
+                    <a:p>
+                      <a:r>
+                        <a:rPr lang="sv-SE" sz="1400" dirty="0" smtClean="0"/>
+                        <a:t>Type</a:t>
+                      </a:r>
+                      <a:endParaRPr lang="sv-SE" sz="1400" dirty="0"/>
+                    </a:p>
+                  </a:txBody>
+                  <a:tcPr/>
+                </a:tc>
+                <a:tc>
+                  <a:txBody>
+                    <a:bodyPr/>
+                    <a:lstStyle/>
+                    <a:p>
+                      <a:r>
+                        <a:rPr lang="sv-SE" sz="1400" dirty="0" smtClean="0"/>
+                        <a:t>Nullable</a:t>
+                      </a:r>
+                      <a:endParaRPr lang="sv-SE" sz="1400" dirty="0"/>
+                    </a:p>
+                  </a:txBody>
+                  <a:tcPr/>
+                </a:tc>
+              </a:tr>
+              <a:tr h="123659">
+                <a:tc>
+                  <a:txBody>
+                    <a:bodyPr/>
+                    <a:lstStyle/>
+                    <a:p>
+                      <a:r>
+                        <a:rPr lang="sv-SE" sz="1400" dirty="0" smtClean="0"/>
+                        <a:t>MedaktID </a:t>
+                      </a:r>
+                      <a:r>
+                        <a:rPr lang="sv-SE" sz="1400" b="1" dirty="0" smtClean="0"/>
+                        <a:t>Pk</a:t>
+                      </a:r>
+                      <a:endParaRPr lang="sv-SE" sz="1400" dirty="0"/>
+                    </a:p>
+                  </a:txBody>
+                  <a:tcPr/>
+                </a:tc>
+                <a:tc>
+                  <a:txBody>
+                    <a:bodyPr/>
+                    <a:lstStyle/>
+                    <a:p>
+                      <a:r>
+                        <a:rPr lang="sv-SE" sz="1400" dirty="0" smtClean="0"/>
+                        <a:t>Int</a:t>
+                      </a:r>
+                      <a:endParaRPr lang="sv-SE" sz="1400" dirty="0"/>
+                    </a:p>
+                  </a:txBody>
+                  <a:tcPr/>
+                </a:tc>
+                <a:tc>
+                  <a:txBody>
+                    <a:bodyPr/>
+                    <a:lstStyle/>
+                    <a:p>
+                      <a:r>
+                        <a:rPr lang="sv-SE" sz="1400" dirty="0" smtClean="0"/>
+                        <a:t>No</a:t>
+                      </a:r>
+                      <a:endParaRPr lang="sv-SE" sz="1400" dirty="0"/>
+                    </a:p>
+                  </a:txBody>
+                  <a:tcPr/>
+                </a:tc>
+              </a:tr>
+              <a:tr h="0">
+                <a:tc>
+                  <a:txBody>
+                    <a:bodyPr/>
+                    <a:lstStyle/>
+                    <a:p>
+                      <a:r>
+                        <a:rPr lang="sv-SE" sz="1400" dirty="0" smtClean="0"/>
+                        <a:t>MedID </a:t>
+                      </a:r>
+                      <a:r>
+                        <a:rPr lang="sv-SE" sz="1400" b="1" dirty="0" smtClean="0"/>
+                        <a:t>Fk</a:t>
+                      </a:r>
+                      <a:endParaRPr lang="sv-SE" sz="1400" dirty="0"/>
+                    </a:p>
+                  </a:txBody>
+                  <a:tcPr/>
+                </a:tc>
+                <a:tc>
+                  <a:txBody>
+                    <a:bodyPr/>
+                    <a:lstStyle/>
+                    <a:p>
+                      <a:r>
+                        <a:rPr lang="sv-SE" sz="1400" dirty="0" smtClean="0"/>
+                        <a:t>Int</a:t>
+                      </a:r>
+                      <a:endParaRPr lang="sv-SE" sz="1400" dirty="0"/>
+                    </a:p>
+                  </a:txBody>
+                  <a:tcPr/>
+                </a:tc>
+                <a:tc>
+                  <a:txBody>
+                    <a:bodyPr/>
+                    <a:lstStyle/>
+                    <a:p>
+                      <a:r>
+                        <a:rPr lang="sv-SE" sz="1400" dirty="0" smtClean="0"/>
+                        <a:t>No</a:t>
+                      </a:r>
+                      <a:endParaRPr lang="sv-SE" sz="1400" dirty="0"/>
+                    </a:p>
+                  </a:txBody>
+                  <a:tcPr/>
+                </a:tc>
+              </a:tr>
+              <a:tr h="0">
+                <a:tc>
+                  <a:txBody>
+                    <a:bodyPr/>
+                    <a:lstStyle/>
+                    <a:p>
+                      <a:r>
+                        <a:rPr lang="sv-SE" sz="1400" dirty="0" smtClean="0"/>
+                        <a:t>AktID </a:t>
+                      </a:r>
+                      <a:r>
+                        <a:rPr lang="sv-SE" sz="1400" b="1" dirty="0" smtClean="0"/>
+                        <a:t>Fk</a:t>
+                      </a:r>
+                      <a:endParaRPr lang="sv-SE" sz="1400" dirty="0"/>
+                    </a:p>
+                  </a:txBody>
+                  <a:tcPr/>
+                </a:tc>
+                <a:tc>
+                  <a:txBody>
+                    <a:bodyPr/>
+                    <a:lstStyle/>
+                    <a:p>
+                      <a:r>
+                        <a:rPr lang="sv-SE" sz="1400" dirty="0" smtClean="0"/>
+                        <a:t>Int</a:t>
+                      </a:r>
+                      <a:endParaRPr lang="sv-SE" sz="1400" dirty="0"/>
+                    </a:p>
+                  </a:txBody>
+                  <a:tcPr/>
+                </a:tc>
+                <a:tc>
+                  <a:txBody>
+                    <a:bodyPr/>
+                    <a:lstStyle/>
+                    <a:p>
+                      <a:r>
+                        <a:rPr lang="sv-SE" sz="1400" dirty="0" smtClean="0"/>
+                        <a:t>No</a:t>
+                      </a:r>
+                      <a:endParaRPr lang="sv-SE" sz="1400" dirty="0"/>
+                    </a:p>
+                  </a:txBody>
+                  <a:tcPr/>
+                </a:tc>
+              </a:tr>
+              <a:tr h="145363">
+                <a:tc>
+                  <a:txBody>
+                    <a:bodyPr/>
+                    <a:lstStyle/>
+                    <a:p>
+                      <a:r>
+                        <a:rPr lang="sv-SE" sz="1400" dirty="0" smtClean="0"/>
+                        <a:t>Avgiftstatus</a:t>
+                      </a:r>
+                      <a:endParaRPr lang="sv-SE" sz="1400" dirty="0"/>
+                    </a:p>
+                  </a:txBody>
+                  <a:tcPr/>
+                </a:tc>
+                <a:tc>
+                  <a:txBody>
+                    <a:bodyPr/>
+                    <a:lstStyle/>
+                    <a:p>
+                      <a:r>
+                        <a:rPr lang="sv-SE" sz="1400" dirty="0" smtClean="0"/>
+                        <a:t>Varchar(7)</a:t>
+                      </a:r>
+                      <a:endParaRPr lang="sv-SE" sz="1400" dirty="0"/>
+                    </a:p>
+                  </a:txBody>
+                  <a:tcPr/>
+                </a:tc>
+                <a:tc>
+                  <a:txBody>
+                    <a:bodyPr/>
+                    <a:lstStyle/>
+                    <a:p>
+                      <a:r>
+                        <a:rPr lang="sv-SE" sz="1400" dirty="0" smtClean="0"/>
+                        <a:t>No</a:t>
+                      </a:r>
+                      <a:endParaRPr lang="sv-SE" sz="1400" dirty="0"/>
+                    </a:p>
+                  </a:txBody>
+                  <a:tcPr/>
+                </a:tc>
+              </a:tr>
+              <a:tr h="145363">
+                <a:tc>
+                  <a:txBody>
+                    <a:bodyPr/>
+                    <a:lstStyle/>
+                    <a:p>
+                      <a:r>
+                        <a:rPr lang="sv-SE" sz="1400" dirty="0" smtClean="0"/>
+                        <a:t>Startdatum</a:t>
+                      </a:r>
+                      <a:endParaRPr lang="sv-SE" sz="1400" dirty="0"/>
+                    </a:p>
+                  </a:txBody>
+                  <a:tcPr/>
+                </a:tc>
+                <a:tc>
+                  <a:txBody>
+                    <a:bodyPr/>
+                    <a:lstStyle/>
+                    <a:p>
+                      <a:r>
+                        <a:rPr lang="sv-SE" sz="1400" dirty="0" smtClean="0"/>
+                        <a:t>Date</a:t>
+                      </a:r>
+                      <a:endParaRPr lang="sv-SE" sz="1400" dirty="0"/>
+                    </a:p>
+                  </a:txBody>
+                  <a:tcPr/>
+                </a:tc>
+                <a:tc>
+                  <a:txBody>
+                    <a:bodyPr/>
+                    <a:lstStyle/>
+                    <a:p>
+                      <a:r>
+                        <a:rPr lang="sv-SE" sz="1400" dirty="0" smtClean="0"/>
+                        <a:t>No</a:t>
+                      </a:r>
+                      <a:endParaRPr lang="sv-SE" sz="1400" dirty="0"/>
+                    </a:p>
+                  </a:txBody>
+                  <a:tcPr/>
+                </a:tc>
+              </a:tr>
+              <a:tr h="145363">
+                <a:tc>
+                  <a:txBody>
+                    <a:bodyPr/>
+                    <a:lstStyle/>
+                    <a:p>
+                      <a:r>
+                        <a:rPr lang="sv-SE" sz="1400" dirty="0" smtClean="0"/>
+                        <a:t>Slutdatum</a:t>
+                      </a:r>
+                      <a:endParaRPr lang="sv-SE" sz="1400" dirty="0"/>
+                    </a:p>
+                  </a:txBody>
+                  <a:tcPr/>
+                </a:tc>
+                <a:tc>
+                  <a:txBody>
+                    <a:bodyPr/>
+                    <a:lstStyle/>
+                    <a:p>
+                      <a:r>
+                        <a:rPr lang="sv-SE" sz="1400" dirty="0" smtClean="0"/>
+                        <a:t>Date</a:t>
+                      </a:r>
+                      <a:endParaRPr lang="sv-SE" sz="1400" dirty="0"/>
+                    </a:p>
+                  </a:txBody>
+                  <a:tcPr/>
+                </a:tc>
+                <a:tc>
+                  <a:txBody>
+                    <a:bodyPr/>
+                    <a:lstStyle/>
+                    <a:p>
+                      <a:r>
+                        <a:rPr lang="sv-SE" sz="1400" dirty="0" smtClean="0"/>
+                        <a:t>No</a:t>
+                      </a:r>
+                      <a:endParaRPr lang="sv-SE" sz="1400" dirty="0"/>
+                    </a:p>
+                  </a:txBody>
+                  <a:tcPr/>
+                </a:tc>
+              </a:tr>
+            </a:tbl>
+          </a:graphicData>
+        </a:graphic>
+      </p:graphicFrame>
+      <p:graphicFrame>
+        <p:nvGraphicFramePr>
+          <p:cNvPr id="53" name="Table 52"/>
+          <p:cNvGraphicFramePr>
+            <a:graphicFrameLocks noGrp="1"/>
+          </p:cNvGraphicFramePr>
+          <p:nvPr>
+            <p:extLst>
+              <p:ext uri="{D42A27DB-BD31-4B8C-83A1-F6EECF244321}">
+                <p14:modId xmlns:p14="http://schemas.microsoft.com/office/powerpoint/2010/main" val="1408394956"/>
+              </p:ext>
+            </p:extLst>
+          </p:nvPr>
+        </p:nvGraphicFramePr>
+        <p:xfrm>
+          <a:off x="0" y="635672"/>
+          <a:ext cx="3150743" cy="2743200"/>
+        </p:xfrm>
+        <a:graphic>
+          <a:graphicData uri="http://schemas.openxmlformats.org/drawingml/2006/table">
+            <a:tbl>
+              <a:tblPr firstRow="1" bandRow="1">
+                <a:tableStyleId>{5C22544A-7EE6-4342-B048-85BDC9FD1C3A}</a:tableStyleId>
+              </a:tblPr>
+              <a:tblGrid>
+                <a:gridCol w="1246505"/>
+                <a:gridCol w="1064133"/>
+                <a:gridCol w="840105"/>
+              </a:tblGrid>
+              <a:tr h="216952">
+                <a:tc>
+                  <a:txBody>
+                    <a:bodyPr/>
+                    <a:lstStyle/>
+                    <a:p>
+                      <a:r>
+                        <a:rPr lang="sv-SE" sz="1400" dirty="0" smtClean="0"/>
+                        <a:t>Column name</a:t>
+                      </a:r>
+                      <a:endParaRPr lang="sv-SE" sz="1400" dirty="0"/>
+                    </a:p>
+                  </a:txBody>
+                  <a:tcPr/>
+                </a:tc>
+                <a:tc>
+                  <a:txBody>
+                    <a:bodyPr/>
+                    <a:lstStyle/>
+                    <a:p>
+                      <a:r>
+                        <a:rPr lang="sv-SE" sz="1400" dirty="0" smtClean="0"/>
+                        <a:t>Type</a:t>
+                      </a:r>
+                      <a:endParaRPr lang="sv-SE" sz="1400" dirty="0"/>
+                    </a:p>
+                  </a:txBody>
+                  <a:tcPr/>
+                </a:tc>
+                <a:tc>
+                  <a:txBody>
+                    <a:bodyPr/>
+                    <a:lstStyle/>
+                    <a:p>
+                      <a:r>
+                        <a:rPr lang="sv-SE" sz="1400" dirty="0" smtClean="0"/>
+                        <a:t>Nullable</a:t>
+                      </a:r>
+                      <a:endParaRPr lang="sv-SE" sz="1400" dirty="0"/>
+                    </a:p>
+                  </a:txBody>
+                  <a:tcPr/>
+                </a:tc>
+              </a:tr>
+              <a:tr h="0">
+                <a:tc>
+                  <a:txBody>
+                    <a:bodyPr/>
+                    <a:lstStyle/>
+                    <a:p>
+                      <a:r>
+                        <a:rPr lang="sv-SE" sz="1400" dirty="0" smtClean="0"/>
+                        <a:t>MedID </a:t>
+                      </a:r>
+                      <a:r>
+                        <a:rPr lang="sv-SE" sz="1400" b="1" dirty="0" smtClean="0"/>
+                        <a:t>Pk</a:t>
+                      </a:r>
+                      <a:endParaRPr lang="sv-SE" sz="1400" b="1" dirty="0"/>
+                    </a:p>
+                  </a:txBody>
+                  <a:tcPr/>
+                </a:tc>
+                <a:tc>
+                  <a:txBody>
+                    <a:bodyPr/>
+                    <a:lstStyle/>
+                    <a:p>
+                      <a:r>
+                        <a:rPr lang="sv-SE" sz="1400" dirty="0" smtClean="0"/>
+                        <a:t>Int</a:t>
+                      </a:r>
+                      <a:endParaRPr lang="sv-SE" sz="1400" dirty="0"/>
+                    </a:p>
+                  </a:txBody>
+                  <a:tcPr/>
+                </a:tc>
+                <a:tc>
+                  <a:txBody>
+                    <a:bodyPr/>
+                    <a:lstStyle/>
+                    <a:p>
+                      <a:r>
+                        <a:rPr lang="sv-SE" sz="1400" dirty="0" smtClean="0"/>
+                        <a:t>No</a:t>
+                      </a:r>
+                      <a:endParaRPr lang="sv-SE" sz="1400" dirty="0"/>
+                    </a:p>
+                  </a:txBody>
+                  <a:tcPr/>
+                </a:tc>
+              </a:tr>
+              <a:tr h="144016">
+                <a:tc>
+                  <a:txBody>
+                    <a:bodyPr/>
+                    <a:lstStyle/>
+                    <a:p>
+                      <a:r>
+                        <a:rPr lang="sv-SE" sz="1400" dirty="0" smtClean="0"/>
+                        <a:t>Fnamn</a:t>
+                      </a:r>
+                      <a:endParaRPr lang="sv-SE" sz="1400" dirty="0"/>
+                    </a:p>
+                  </a:txBody>
+                  <a:tcPr/>
+                </a:tc>
+                <a:tc>
+                  <a:txBody>
+                    <a:bodyPr/>
+                    <a:lstStyle/>
+                    <a:p>
+                      <a:r>
+                        <a:rPr lang="sv-SE" sz="1400" dirty="0" smtClean="0"/>
+                        <a:t>Varchar(20)</a:t>
+                      </a:r>
+                      <a:endParaRPr lang="sv-SE" sz="1400" dirty="0"/>
+                    </a:p>
+                  </a:txBody>
+                  <a:tcPr/>
+                </a:tc>
+                <a:tc>
+                  <a:txBody>
+                    <a:bodyPr/>
+                    <a:lstStyle/>
+                    <a:p>
+                      <a:r>
+                        <a:rPr lang="sv-SE" sz="1400" dirty="0" smtClean="0"/>
+                        <a:t>No</a:t>
+                      </a:r>
+                      <a:endParaRPr lang="sv-SE" sz="1400" dirty="0"/>
+                    </a:p>
+                  </a:txBody>
+                  <a:tcPr/>
+                </a:tc>
+              </a:tr>
+              <a:tr h="127248">
+                <a:tc>
+                  <a:txBody>
+                    <a:bodyPr/>
+                    <a:lstStyle/>
+                    <a:p>
+                      <a:r>
+                        <a:rPr lang="sv-SE" sz="1400" dirty="0" smtClean="0"/>
+                        <a:t>Enamn</a:t>
+                      </a:r>
+                      <a:endParaRPr lang="sv-SE" sz="1400" dirty="0"/>
+                    </a:p>
+                  </a:txBody>
+                  <a:tcPr/>
+                </a:tc>
+                <a:tc>
+                  <a:txBody>
+                    <a:bodyPr/>
+                    <a:lstStyle/>
+                    <a:p>
+                      <a:r>
+                        <a:rPr lang="sv-SE" sz="1400" dirty="0" smtClean="0"/>
+                        <a:t>Varchar(20)</a:t>
+                      </a:r>
+                      <a:endParaRPr lang="sv-SE" sz="1400" dirty="0"/>
+                    </a:p>
+                  </a:txBody>
+                  <a:tcPr/>
+                </a:tc>
+                <a:tc>
+                  <a:txBody>
+                    <a:bodyPr/>
+                    <a:lstStyle/>
+                    <a:p>
+                      <a:r>
+                        <a:rPr lang="sv-SE" sz="1400" dirty="0" smtClean="0"/>
+                        <a:t>No</a:t>
+                      </a:r>
+                      <a:endParaRPr lang="sv-SE" sz="1400" dirty="0"/>
+                    </a:p>
+                  </a:txBody>
+                  <a:tcPr/>
+                </a:tc>
+              </a:tr>
+              <a:tr h="139262">
+                <a:tc>
+                  <a:txBody>
+                    <a:bodyPr/>
+                    <a:lstStyle/>
+                    <a:p>
+                      <a:r>
+                        <a:rPr lang="sv-SE" sz="1400" dirty="0" smtClean="0"/>
+                        <a:t>Pers.nr</a:t>
+                      </a:r>
+                      <a:endParaRPr lang="sv-SE" sz="1400" dirty="0"/>
+                    </a:p>
+                  </a:txBody>
+                  <a:tcPr/>
+                </a:tc>
+                <a:tc>
+                  <a:txBody>
+                    <a:bodyPr/>
+                    <a:lstStyle/>
+                    <a:p>
+                      <a:r>
+                        <a:rPr lang="sv-SE" sz="1400" dirty="0" smtClean="0"/>
+                        <a:t>Char(11)</a:t>
+                      </a:r>
+                      <a:endParaRPr lang="sv-SE" sz="1400" dirty="0"/>
+                    </a:p>
+                  </a:txBody>
+                  <a:tcPr/>
+                </a:tc>
+                <a:tc>
+                  <a:txBody>
+                    <a:bodyPr/>
+                    <a:lstStyle/>
+                    <a:p>
+                      <a:r>
+                        <a:rPr lang="sv-SE" sz="1400" dirty="0" smtClean="0"/>
+                        <a:t>No</a:t>
+                      </a:r>
+                      <a:endParaRPr lang="sv-SE" sz="1400" dirty="0"/>
+                    </a:p>
+                  </a:txBody>
+                  <a:tcPr/>
+                </a:tc>
+              </a:tr>
+              <a:tr h="165720">
+                <a:tc>
+                  <a:txBody>
+                    <a:bodyPr/>
+                    <a:lstStyle/>
+                    <a:p>
+                      <a:r>
+                        <a:rPr lang="sv-SE" sz="1400" dirty="0" smtClean="0"/>
+                        <a:t>MedID_U</a:t>
+                      </a:r>
+                      <a:r>
+                        <a:rPr lang="sv-SE" sz="1400" baseline="0" dirty="0" smtClean="0"/>
+                        <a:t> </a:t>
+                      </a:r>
+                      <a:r>
+                        <a:rPr lang="sv-SE" sz="1400" b="1" baseline="0" dirty="0" smtClean="0"/>
+                        <a:t>Fk</a:t>
+                      </a:r>
+                      <a:endParaRPr lang="sv-SE" sz="1400" b="1" dirty="0"/>
+                    </a:p>
+                  </a:txBody>
+                  <a:tcPr/>
+                </a:tc>
+                <a:tc>
+                  <a:txBody>
+                    <a:bodyPr/>
+                    <a:lstStyle/>
+                    <a:p>
+                      <a:r>
+                        <a:rPr lang="sv-SE" sz="1400" dirty="0" smtClean="0"/>
+                        <a:t>Int</a:t>
+                      </a:r>
+                      <a:endParaRPr lang="sv-SE" sz="1400" dirty="0"/>
+                    </a:p>
+                  </a:txBody>
+                  <a:tcPr/>
+                </a:tc>
+                <a:tc>
+                  <a:txBody>
+                    <a:bodyPr/>
+                    <a:lstStyle/>
+                    <a:p>
+                      <a:r>
+                        <a:rPr lang="sv-SE" sz="1400" dirty="0" smtClean="0"/>
+                        <a:t>No</a:t>
+                      </a:r>
+                      <a:endParaRPr lang="sv-SE" sz="1400" dirty="0"/>
+                    </a:p>
+                  </a:txBody>
+                  <a:tcPr/>
+                </a:tc>
+              </a:tr>
+              <a:tr h="0">
+                <a:tc>
+                  <a:txBody>
+                    <a:bodyPr/>
+                    <a:lstStyle/>
+                    <a:p>
+                      <a:r>
+                        <a:rPr lang="sv-SE" sz="1400" dirty="0" smtClean="0"/>
+                        <a:t>Address</a:t>
+                      </a:r>
+                      <a:endParaRPr lang="sv-SE" sz="1400" dirty="0"/>
+                    </a:p>
+                  </a:txBody>
+                  <a:tcPr/>
+                </a:tc>
+                <a:tc>
+                  <a:txBody>
+                    <a:bodyPr/>
+                    <a:lstStyle/>
+                    <a:p>
+                      <a:r>
+                        <a:rPr lang="sv-SE" sz="1400" dirty="0" smtClean="0"/>
+                        <a:t>Varchar(30)</a:t>
+                      </a:r>
+                      <a:endParaRPr lang="sv-SE" sz="1400" dirty="0"/>
+                    </a:p>
+                  </a:txBody>
+                  <a:tcPr/>
+                </a:tc>
+                <a:tc>
+                  <a:txBody>
+                    <a:bodyPr/>
+                    <a:lstStyle/>
+                    <a:p>
+                      <a:r>
+                        <a:rPr lang="sv-SE" sz="1400" dirty="0" smtClean="0"/>
+                        <a:t>No</a:t>
+                      </a:r>
+                      <a:endParaRPr lang="sv-SE" sz="1400" dirty="0"/>
+                    </a:p>
+                  </a:txBody>
+                  <a:tcPr/>
+                </a:tc>
+              </a:tr>
+              <a:tr h="141518">
+                <a:tc>
+                  <a:txBody>
+                    <a:bodyPr/>
+                    <a:lstStyle/>
+                    <a:p>
+                      <a:r>
+                        <a:rPr lang="sv-SE" sz="1400" dirty="0" smtClean="0"/>
+                        <a:t>Postnr</a:t>
+                      </a:r>
+                      <a:endParaRPr lang="sv-SE" sz="1400" dirty="0"/>
+                    </a:p>
+                  </a:txBody>
+                  <a:tcPr/>
+                </a:tc>
+                <a:tc>
+                  <a:txBody>
+                    <a:bodyPr/>
+                    <a:lstStyle/>
+                    <a:p>
+                      <a:r>
+                        <a:rPr lang="sv-SE" sz="1400" dirty="0" smtClean="0"/>
+                        <a:t>Varchar(6)</a:t>
+                      </a:r>
+                      <a:endParaRPr lang="sv-SE" sz="1400" dirty="0"/>
+                    </a:p>
+                  </a:txBody>
+                  <a:tcPr/>
+                </a:tc>
+                <a:tc>
+                  <a:txBody>
+                    <a:bodyPr/>
+                    <a:lstStyle/>
+                    <a:p>
+                      <a:r>
+                        <a:rPr lang="sv-SE" sz="1400" dirty="0" smtClean="0"/>
+                        <a:t>No</a:t>
+                      </a:r>
+                      <a:endParaRPr lang="sv-SE" sz="1400" dirty="0"/>
+                    </a:p>
+                  </a:txBody>
+                  <a:tcPr/>
+                </a:tc>
+              </a:tr>
+              <a:tr h="124750">
+                <a:tc>
+                  <a:txBody>
+                    <a:bodyPr/>
+                    <a:lstStyle/>
+                    <a:p>
+                      <a:r>
+                        <a:rPr lang="sv-SE" sz="1400" dirty="0" smtClean="0"/>
+                        <a:t>Ort</a:t>
+                      </a:r>
+                      <a:endParaRPr lang="sv-SE" sz="1400" dirty="0"/>
+                    </a:p>
+                  </a:txBody>
+                  <a:tcPr/>
+                </a:tc>
+                <a:tc>
+                  <a:txBody>
+                    <a:bodyPr/>
+                    <a:lstStyle/>
+                    <a:p>
+                      <a:r>
+                        <a:rPr lang="sv-SE" sz="1400" dirty="0" smtClean="0"/>
+                        <a:t>Varchar(25)</a:t>
+                      </a:r>
+                      <a:endParaRPr lang="sv-SE" sz="1400" dirty="0"/>
+                    </a:p>
+                  </a:txBody>
+                  <a:tcPr/>
+                </a:tc>
+                <a:tc>
+                  <a:txBody>
+                    <a:bodyPr/>
+                    <a:lstStyle/>
+                    <a:p>
+                      <a:r>
+                        <a:rPr lang="sv-SE" sz="1400" dirty="0" smtClean="0"/>
+                        <a:t>No</a:t>
                       </a:r>
                       <a:endParaRPr lang="sv-SE" sz="1400" dirty="0"/>
                     </a:p>
@@ -6923,14 +7352,22 @@
           <a:p>
             <a:r>
               <a:rPr lang="sv-SE" dirty="0" smtClean="0"/>
-              <a:t>Här skall användaren få samma information som i tabellen, fast för en enskilt vald medlem. Utöver det skall även kontaktinformationen visas. Användaren skall även här kunna välja ifall medlemmen ska redigeras eller tas bort.</a:t>
+              <a:t>Här skall användaren få samma information som i tabellen, fast för en enskilt vald medlem. Utöver det skall även </a:t>
+            </a:r>
+            <a:r>
+              <a:rPr lang="sv-SE" dirty="0" smtClean="0"/>
+              <a:t>medlemsaktiviteten </a:t>
+            </a:r>
+            <a:r>
+              <a:rPr lang="sv-SE" dirty="0" smtClean="0"/>
+              <a:t>visas. Användaren skall även här kunna välja ifall medlemmen ska redigeras eller tas bort.</a:t>
             </a:r>
           </a:p>
         </p:txBody>
       </p:sp>
       <p:pic>
         <p:nvPicPr>
-          <p:cNvPr id="1028" name="Picture 4"/>
+          <p:cNvPr id="3" name="Picture 2" descr="C:\Users\Emil\Documents\Skolarbeten\ASP.NET Web Forms\vt14-3-1-individuellt-arbete\Dokumentation\Bilder &amp; powerpoints\mockupsida2.png"/>
           <p:cNvPicPr>
             <a:picLocks noChangeAspect="1" noChangeArrowheads="1"/>
           </p:cNvPicPr>
@@ -6951,43 +7388,20 @@
         </p:blipFill>
         <p:spPr bwMode="auto">
           <a:xfrm>
-            <a:off x="107505" y="3140969"/>
-            <a:ext cx="5040559" cy="3503308"/>
+            <a:off x="107505" y="3206011"/>
+            <a:ext cx="5055203" cy="3514938"/>
           </a:xfrm>
           <a:prstGeom prst="rect">
             <a:avLst/>
           </a:prstGeom>
           <a:noFill/>
-          <a:ln>
-            <a:noFill/>
-          </a:ln>
-          <a:effectLst/>
           <a:extLst>
             <a:ext uri="{909E8E84-426E-40DD-AFC4-6F175D3DCCD1}">
               <a14:hiddenFill xmlns:a14="http://schemas.microsoft.com/office/drawing/2010/main">
                 <a:solidFill>
-                  <a:schemeClr val="accent1"/>
+                  <a:srgbClr val="FFFFFF"/>
                 </a:solidFill>
               </a14:hiddenFill>
-            </a:ext>
-            <a:ext uri="{91240B29-F687-4F45-9708-019B960494DF}">
-              <a14:hiddenLine xmlns:a14="http://schemas.microsoft.com/office/drawing/2010/main" w="9525">
-                <a:solidFill>
-                  <a:schemeClr val="tx1"/>
-                </a:solidFill>
-                <a:miter lim="800000"/>
-                <a:headEnd/>
-                <a:tailEnd/>
-              </a14:hiddenLine>
-            </a:ext>
-            <a:ext uri="{AF507438-7753-43E0-B8FC-AC1667EBCBE1}">
-              <a14:hiddenEffects xmlns:a14="http://schemas.microsoft.com/office/drawing/2010/main">
-                <a:effectLst>
-                  <a:outerShdw dist="35921" dir="2700000" algn="ctr" rotWithShape="0">
-                    <a:schemeClr val="bg2"/>
-                  </a:outerShdw>
-                </a:effectLst>
-              </a14:hiddenEffects>
             </a:ext>
           </a:extLst>
         </p:spPr>
